--- a/010_事前準備/030_部会説明/20210212_勉強会説明.pptx
+++ b/010_事前準備/030_部会説明/20210212_勉強会説明.pptx
@@ -10,13 +10,13 @@
     <p:sldId id="262" r:id="rId4"/>
     <p:sldId id="266" r:id="rId5"/>
     <p:sldId id="267" r:id="rId6"/>
-    <p:sldId id="268" r:id="rId7"/>
-    <p:sldId id="264" r:id="rId8"/>
-    <p:sldId id="263" r:id="rId9"/>
-    <p:sldId id="260" r:id="rId10"/>
-    <p:sldId id="258" r:id="rId11"/>
-    <p:sldId id="257" r:id="rId12"/>
-    <p:sldId id="259" r:id="rId13"/>
+    <p:sldId id="269" r:id="rId7"/>
+    <p:sldId id="268" r:id="rId8"/>
+    <p:sldId id="264" r:id="rId9"/>
+    <p:sldId id="263" r:id="rId10"/>
+    <p:sldId id="260" r:id="rId11"/>
+    <p:sldId id="258" r:id="rId12"/>
+    <p:sldId id="257" r:id="rId13"/>
   </p:sldIdLst>
   <p:sldSz cx="12192000" cy="6858000"/>
   <p:notesSz cx="6858000" cy="9144000"/>
@@ -115,6 +115,11 @@
       </a:defRPr>
     </a:lvl9pPr>
   </p:defaultTextStyle>
+  <p:extLst>
+    <p:ext uri="{EFAFB233-063F-42B5-8137-9DF3F51BA10A}">
+      <p15:sldGuideLst xmlns:p15="http://schemas.microsoft.com/office/powerpoint/2012/main"/>
+    </p:ext>
+  </p:extLst>
 </p:presentation>
 </file>
 
@@ -863,7 +868,7 @@
           <a:p>
             <a:fld id="{AAB59A01-E176-48C0-AF9F-86A0987CE66A}" type="datetimeFigureOut">
               <a:rPr lang="en-US" smtClean="0"/>
-              <a:t>2/11/2021</a:t>
+              <a:t>2/12/2021</a:t>
             </a:fld>
             <a:endParaRPr lang="en-US"/>
           </a:p>
@@ -1114,7 +1119,7 @@
           <a:p>
             <a:fld id="{AAB59A01-E176-48C0-AF9F-86A0987CE66A}" type="datetimeFigureOut">
               <a:rPr lang="en-US" smtClean="0"/>
-              <a:t>2/11/2021</a:t>
+              <a:t>2/12/2021</a:t>
             </a:fld>
             <a:endParaRPr lang="en-US"/>
           </a:p>
@@ -1428,7 +1433,7 @@
           <a:p>
             <a:fld id="{AAB59A01-E176-48C0-AF9F-86A0987CE66A}" type="datetimeFigureOut">
               <a:rPr lang="en-US" smtClean="0"/>
-              <a:t>2/11/2021</a:t>
+              <a:t>2/12/2021</a:t>
             </a:fld>
             <a:endParaRPr lang="en-US"/>
           </a:p>
@@ -1761,7 +1766,7 @@
           <a:p>
             <a:fld id="{AAB59A01-E176-48C0-AF9F-86A0987CE66A}" type="datetimeFigureOut">
               <a:rPr lang="en-US" smtClean="0"/>
-              <a:t>2/11/2021</a:t>
+              <a:t>2/12/2021</a:t>
             </a:fld>
             <a:endParaRPr lang="en-US"/>
           </a:p>
@@ -2075,7 +2080,7 @@
           <a:p>
             <a:fld id="{AAB59A01-E176-48C0-AF9F-86A0987CE66A}" type="datetimeFigureOut">
               <a:rPr lang="en-US" smtClean="0"/>
-              <a:t>2/11/2021</a:t>
+              <a:t>2/12/2021</a:t>
             </a:fld>
             <a:endParaRPr lang="en-US"/>
           </a:p>
@@ -2468,7 +2473,7 @@
           <a:p>
             <a:fld id="{AAB59A01-E176-48C0-AF9F-86A0987CE66A}" type="datetimeFigureOut">
               <a:rPr lang="en-US" smtClean="0"/>
-              <a:t>2/11/2021</a:t>
+              <a:t>2/12/2021</a:t>
             </a:fld>
             <a:endParaRPr lang="en-US"/>
           </a:p>
@@ -2638,7 +2643,7 @@
           <a:p>
             <a:fld id="{AAB59A01-E176-48C0-AF9F-86A0987CE66A}" type="datetimeFigureOut">
               <a:rPr lang="en-US" smtClean="0"/>
-              <a:t>2/11/2021</a:t>
+              <a:t>2/12/2021</a:t>
             </a:fld>
             <a:endParaRPr lang="en-US"/>
           </a:p>
@@ -2818,7 +2823,7 @@
           <a:p>
             <a:fld id="{AAB59A01-E176-48C0-AF9F-86A0987CE66A}" type="datetimeFigureOut">
               <a:rPr lang="en-US" smtClean="0"/>
-              <a:t>2/11/2021</a:t>
+              <a:t>2/12/2021</a:t>
             </a:fld>
             <a:endParaRPr lang="en-US"/>
           </a:p>
@@ -2988,7 +2993,7 @@
           <a:p>
             <a:fld id="{AAB59A01-E176-48C0-AF9F-86A0987CE66A}" type="datetimeFigureOut">
               <a:rPr lang="en-US" smtClean="0"/>
-              <a:t>2/11/2021</a:t>
+              <a:t>2/12/2021</a:t>
             </a:fld>
             <a:endParaRPr lang="en-US"/>
           </a:p>
@@ -3235,7 +3240,7 @@
           <a:p>
             <a:fld id="{AAB59A01-E176-48C0-AF9F-86A0987CE66A}" type="datetimeFigureOut">
               <a:rPr lang="en-US" smtClean="0"/>
-              <a:t>2/11/2021</a:t>
+              <a:t>2/12/2021</a:t>
             </a:fld>
             <a:endParaRPr lang="en-US"/>
           </a:p>
@@ -3467,7 +3472,7 @@
           <a:p>
             <a:fld id="{AAB59A01-E176-48C0-AF9F-86A0987CE66A}" type="datetimeFigureOut">
               <a:rPr lang="en-US" smtClean="0"/>
-              <a:t>2/11/2021</a:t>
+              <a:t>2/12/2021</a:t>
             </a:fld>
             <a:endParaRPr lang="en-US"/>
           </a:p>
@@ -3841,7 +3846,7 @@
           <a:p>
             <a:fld id="{AAB59A01-E176-48C0-AF9F-86A0987CE66A}" type="datetimeFigureOut">
               <a:rPr lang="en-US" smtClean="0"/>
-              <a:t>2/11/2021</a:t>
+              <a:t>2/12/2021</a:t>
             </a:fld>
             <a:endParaRPr lang="en-US"/>
           </a:p>
@@ -3964,7 +3969,7 @@
           <a:p>
             <a:fld id="{AAB59A01-E176-48C0-AF9F-86A0987CE66A}" type="datetimeFigureOut">
               <a:rPr lang="en-US" smtClean="0"/>
-              <a:t>2/11/2021</a:t>
+              <a:t>2/12/2021</a:t>
             </a:fld>
             <a:endParaRPr lang="en-US"/>
           </a:p>
@@ -4059,7 +4064,7 @@
           <a:p>
             <a:fld id="{AAB59A01-E176-48C0-AF9F-86A0987CE66A}" type="datetimeFigureOut">
               <a:rPr lang="en-US" smtClean="0"/>
-              <a:t>2/11/2021</a:t>
+              <a:t>2/12/2021</a:t>
             </a:fld>
             <a:endParaRPr lang="en-US"/>
           </a:p>
@@ -4314,7 +4319,7 @@
           <a:p>
             <a:fld id="{AAB59A01-E176-48C0-AF9F-86A0987CE66A}" type="datetimeFigureOut">
               <a:rPr lang="en-US" smtClean="0"/>
-              <a:t>2/11/2021</a:t>
+              <a:t>2/12/2021</a:t>
             </a:fld>
             <a:endParaRPr lang="en-US"/>
           </a:p>
@@ -4619,7 +4624,7 @@
           <a:p>
             <a:fld id="{AAB59A01-E176-48C0-AF9F-86A0987CE66A}" type="datetimeFigureOut">
               <a:rPr lang="en-US" smtClean="0"/>
-              <a:t>2/11/2021</a:t>
+              <a:t>2/12/2021</a:t>
             </a:fld>
             <a:endParaRPr lang="en-US"/>
           </a:p>
@@ -5321,7 +5326,7 @@
           <a:p>
             <a:fld id="{AAB59A01-E176-48C0-AF9F-86A0987CE66A}" type="datetimeFigureOut">
               <a:rPr lang="en-US" smtClean="0"/>
-              <a:t>2/11/2021</a:t>
+              <a:t>2/12/2021</a:t>
             </a:fld>
             <a:endParaRPr lang="en-US"/>
           </a:p>
@@ -5949,7 +5954,7 @@
           <a:p>
             <a:r>
               <a:rPr lang="ja-JP" altLang="en-US" dirty="0" smtClean="0"/>
-              <a:t>募集要項とファイル共有</a:t>
+              <a:t>参加者の採点について</a:t>
             </a:r>
             <a:endParaRPr lang="en-US" dirty="0"/>
           </a:p>
@@ -5970,38 +5975,136 @@
           <a:bodyPr/>
           <a:lstStyle/>
           <a:p>
-            <a:pPr marL="0" indent="0">
-              <a:buNone/>
-            </a:pPr>
             <a:r>
               <a:rPr lang="ja-JP" altLang="en-US" dirty="0" smtClean="0"/>
-              <a:t>■勉強会に関する資料の置き場所</a:t>
-            </a:r>
+              <a:t>出席採点</a:t>
+            </a:r>
+          </a:p>
+          <a:p>
+            <a:pPr lvl="1"/>
+            <a:r>
+              <a:rPr lang="en-US" altLang="ja-JP" dirty="0" smtClean="0"/>
+              <a:t>ZOOM</a:t>
+            </a:r>
+            <a:r>
+              <a:rPr lang="ja-JP" altLang="en-US" dirty="0" smtClean="0"/>
+              <a:t>参加時は</a:t>
+            </a:r>
+            <a:r>
+              <a:rPr lang="ja-JP" altLang="en-US" sz="1800" b="1" dirty="0" smtClean="0">
+                <a:solidFill>
+                  <a:srgbClr val="FF0000"/>
+                </a:solidFill>
+              </a:rPr>
+              <a:t>本名</a:t>
+            </a:r>
+            <a:r>
+              <a:rPr lang="ja-JP" altLang="en-US" dirty="0" smtClean="0"/>
+              <a:t>でお願いします。</a:t>
+            </a:r>
+          </a:p>
+          <a:p>
             <a:endParaRPr lang="en-US" altLang="ja-JP" dirty="0" smtClean="0"/>
           </a:p>
           <a:p>
             <a:r>
-              <a:rPr lang="en-US" altLang="ja-JP" dirty="0" smtClean="0"/>
-              <a:t>Teams</a:t>
-            </a:r>
-            <a:r>
               <a:rPr lang="ja-JP" altLang="en-US" dirty="0" smtClean="0"/>
-              <a:t>／勉強会／各テーマフォルダ配下</a:t>
+              <a:t>付加採</a:t>
+            </a:r>
+            <a:r>
+              <a:rPr lang="ja-JP" altLang="en-US" dirty="0" smtClean="0"/>
+              <a:t>点</a:t>
             </a:r>
             <a:endParaRPr lang="en-US" altLang="ja-JP" dirty="0" smtClean="0"/>
           </a:p>
           <a:p>
-            <a:endParaRPr lang="en-US" dirty="0"/>
-          </a:p>
-          <a:p>
-            <a:endParaRPr lang="en-US" dirty="0"/>
+            <a:pPr lvl="1"/>
+            <a:r>
+              <a:rPr lang="ja-JP" altLang="en-US" dirty="0" smtClean="0"/>
+              <a:t>例</a:t>
+            </a:r>
+            <a:r>
+              <a:rPr lang="ja-JP" altLang="en-US" dirty="0" smtClean="0"/>
+              <a:t>：宿題、プロジェクト、試験</a:t>
+            </a:r>
+            <a:r>
+              <a:rPr lang="ja-JP" altLang="en-US" dirty="0"/>
+              <a:t>など（勉強会主催者に任</a:t>
+            </a:r>
+            <a:r>
+              <a:rPr lang="ja-JP" altLang="en-US" dirty="0" smtClean="0"/>
+              <a:t>せます）</a:t>
+            </a:r>
+            <a:endParaRPr lang="ja-JP" altLang="en-US" dirty="0"/>
+          </a:p>
+          <a:p>
+            <a:endParaRPr lang="en-US" altLang="ja-JP" dirty="0" smtClean="0"/>
+          </a:p>
+        </p:txBody>
+      </p:sp>
+      <p:sp>
+        <p:nvSpPr>
+          <p:cNvPr id="4" name="矩形 3"/>
+          <p:cNvSpPr/>
+          <p:nvPr/>
+        </p:nvSpPr>
+        <p:spPr>
+          <a:xfrm>
+            <a:off x="974955" y="4771836"/>
+            <a:ext cx="9973622" cy="914400"/>
+          </a:xfrm>
+          <a:prstGeom prst="rect">
+            <a:avLst/>
+          </a:prstGeom>
+          <a:solidFill>
+            <a:schemeClr val="accent3">
+              <a:lumMod val="75000"/>
+            </a:schemeClr>
+          </a:solidFill>
+        </p:spPr>
+        <p:style>
+          <a:lnRef idx="0">
+            <a:schemeClr val="accent5"/>
+          </a:lnRef>
+          <a:fillRef idx="3">
+            <a:schemeClr val="accent5"/>
+          </a:fillRef>
+          <a:effectRef idx="3">
+            <a:schemeClr val="accent5"/>
+          </a:effectRef>
+          <a:fontRef idx="minor">
+            <a:schemeClr val="lt1"/>
+          </a:fontRef>
+        </p:style>
+        <p:txBody>
+          <a:bodyPr rtlCol="0" anchor="ctr"/>
+          <a:lstStyle/>
+          <a:p>
+            <a:pPr algn="ctr"/>
+            <a:r>
+              <a:rPr lang="ja-JP" altLang="en-US" sz="2800" dirty="0" smtClean="0"/>
+              <a:t>出席採点＋付加採点　→　年末評価時の</a:t>
+            </a:r>
+            <a:r>
+              <a:rPr lang="ja-JP" altLang="en-US" sz="2800" b="1" dirty="0" smtClean="0">
+                <a:solidFill>
+                  <a:srgbClr val="FF0000"/>
+                </a:solidFill>
+              </a:rPr>
+              <a:t>加点材料</a:t>
+            </a:r>
+            <a:r>
+              <a:rPr lang="ja-JP" altLang="en-US" sz="2800" dirty="0" smtClean="0"/>
+              <a:t>となる</a:t>
+            </a:r>
+            <a:endParaRPr lang="en-US" sz="2800" dirty="0" smtClean="0"/>
           </a:p>
         </p:txBody>
       </p:sp>
     </p:spTree>
     <p:extLst>
       <p:ext uri="{BB962C8B-B14F-4D97-AF65-F5344CB8AC3E}">
-        <p14:creationId xmlns:p14="http://schemas.microsoft.com/office/powerpoint/2010/main" val="561436594"/>
+        <p14:creationId xmlns:p14="http://schemas.microsoft.com/office/powerpoint/2010/main" val="4071393507"/>
       </p:ext>
     </p:extLst>
   </p:cSld>
@@ -6044,6 +6147,140 @@
           <a:lstStyle/>
           <a:p>
             <a:r>
+              <a:rPr lang="ja-JP" altLang="en-US" dirty="0" smtClean="0"/>
+              <a:t>資料共有場所</a:t>
+            </a:r>
+            <a:endParaRPr lang="en-US" dirty="0"/>
+          </a:p>
+        </p:txBody>
+      </p:sp>
+      <p:sp>
+        <p:nvSpPr>
+          <p:cNvPr id="3" name="内容占位符 2"/>
+          <p:cNvSpPr>
+            <a:spLocks noGrp="1"/>
+          </p:cNvSpPr>
+          <p:nvPr>
+            <p:ph idx="1"/>
+          </p:nvPr>
+        </p:nvSpPr>
+        <p:spPr/>
+        <p:txBody>
+          <a:bodyPr/>
+          <a:lstStyle/>
+          <a:p>
+            <a:pPr marL="0" indent="0">
+              <a:buNone/>
+            </a:pPr>
+            <a:r>
+              <a:rPr lang="ja-JP" altLang="en-US" dirty="0" smtClean="0"/>
+              <a:t>■資料共有場所</a:t>
+            </a:r>
+            <a:endParaRPr lang="en-US" altLang="ja-JP" dirty="0" smtClean="0"/>
+          </a:p>
+          <a:p>
+            <a:pPr marL="0" indent="0">
+              <a:buNone/>
+            </a:pPr>
+            <a:r>
+              <a:rPr lang="ja-JP" altLang="en-US" dirty="0" smtClean="0"/>
+              <a:t>募集要項や講義などの勉強会関連マスタ資料</a:t>
+            </a:r>
+            <a:endParaRPr lang="en-US" altLang="ja-JP" dirty="0" smtClean="0"/>
+          </a:p>
+          <a:p>
+            <a:pPr lvl="1"/>
+            <a:r>
+              <a:rPr lang="en-US" altLang="ja-JP" dirty="0" smtClean="0"/>
+              <a:t>Teams</a:t>
+            </a:r>
+            <a:r>
+              <a:rPr lang="ja-JP" altLang="en-US" dirty="0" smtClean="0"/>
+              <a:t>：勉</a:t>
+            </a:r>
+            <a:r>
+              <a:rPr lang="ja-JP" altLang="en-US" dirty="0" smtClean="0"/>
+              <a:t>強会／各テーマフォルダ配</a:t>
+            </a:r>
+            <a:r>
+              <a:rPr lang="ja-JP" altLang="en-US" dirty="0" smtClean="0"/>
+              <a:t>下</a:t>
+            </a:r>
+            <a:endParaRPr lang="en-US" altLang="ja-JP" dirty="0" smtClean="0"/>
+          </a:p>
+          <a:p>
+            <a:pPr lvl="1"/>
+            <a:endParaRPr lang="en-US" altLang="ja-JP" dirty="0"/>
+          </a:p>
+          <a:p>
+            <a:pPr marL="0" indent="0">
+              <a:buNone/>
+            </a:pPr>
+            <a:r>
+              <a:rPr lang="ja-JP" altLang="en-US" dirty="0" smtClean="0"/>
+              <a:t>宿題／プロジェクト／試験の配置場所</a:t>
+            </a:r>
+            <a:endParaRPr lang="en-US" altLang="ja-JP" dirty="0" smtClean="0"/>
+          </a:p>
+          <a:p>
+            <a:pPr lvl="1"/>
+            <a:r>
+              <a:rPr lang="ja-JP" altLang="en-US" dirty="0" smtClean="0"/>
+              <a:t>主催者より別途連携する</a:t>
+            </a:r>
+            <a:endParaRPr lang="en-US" dirty="0"/>
+          </a:p>
+          <a:p>
+            <a:endParaRPr lang="en-US" dirty="0"/>
+          </a:p>
+        </p:txBody>
+      </p:sp>
+    </p:spTree>
+    <p:extLst>
+      <p:ext uri="{BB962C8B-B14F-4D97-AF65-F5344CB8AC3E}">
+        <p14:creationId xmlns:p14="http://schemas.microsoft.com/office/powerpoint/2010/main" val="561436594"/>
+      </p:ext>
+    </p:extLst>
+  </p:cSld>
+  <p:clrMapOvr>
+    <a:masterClrMapping/>
+  </p:clrMapOvr>
+</p:sld>
+</file>
+
+<file path=ppt/slides/slide12.xml><?xml version="1.0" encoding="utf-8"?>
+<p:sld xmlns:a="http://schemas.openxmlformats.org/drawingml/2006/main" xmlns:r="http://schemas.openxmlformats.org/officeDocument/2006/relationships" xmlns:p="http://schemas.openxmlformats.org/presentationml/2006/main">
+  <p:cSld>
+    <p:spTree>
+      <p:nvGrpSpPr>
+        <p:cNvPr id="1" name=""/>
+        <p:cNvGrpSpPr/>
+        <p:nvPr/>
+      </p:nvGrpSpPr>
+      <p:grpSpPr>
+        <a:xfrm>
+          <a:off x="0" y="0"/>
+          <a:ext cx="0" cy="0"/>
+          <a:chOff x="0" y="0"/>
+          <a:chExt cx="0" cy="0"/>
+        </a:xfrm>
+      </p:grpSpPr>
+      <p:sp>
+        <p:nvSpPr>
+          <p:cNvPr id="2" name="标题 1"/>
+          <p:cNvSpPr>
+            <a:spLocks noGrp="1"/>
+          </p:cNvSpPr>
+          <p:nvPr>
+            <p:ph type="title"/>
+          </p:nvPr>
+        </p:nvSpPr>
+        <p:spPr/>
+        <p:txBody>
+          <a:bodyPr/>
+          <a:lstStyle/>
+          <a:p>
+            <a:r>
               <a:rPr lang="ja-JP" altLang="en-US" dirty="0" smtClean="0">
                 <a:latin typeface="Meiryo" panose="020B0604030504040204" pitchFamily="34" charset="-128"/>
                 <a:ea typeface="Meiryo" panose="020B0604030504040204" pitchFamily="34" charset="-128"/>
@@ -6067,14 +6304,14 @@
             <p:ph idx="1"/>
             <p:extLst>
               <p:ext uri="{D42A27DB-BD31-4B8C-83A1-F6EECF244321}">
-                <p14:modId xmlns:p14="http://schemas.microsoft.com/office/powerpoint/2010/main" val="1814770910"/>
+                <p14:modId xmlns:p14="http://schemas.microsoft.com/office/powerpoint/2010/main" val="2786712926"/>
               </p:ext>
             </p:extLst>
           </p:nvPr>
         </p:nvGraphicFramePr>
         <p:xfrm>
           <a:off x="838200" y="1825625"/>
-          <a:ext cx="9916598" cy="3629084"/>
+          <a:ext cx="9916598" cy="3343804"/>
         </p:xfrm>
         <a:graphic>
           <a:graphicData uri="http://schemas.openxmlformats.org/drawingml/2006/table">
@@ -6087,7 +6324,7 @@
                 <a:gridCol w="3570366"/>
                 <a:gridCol w="4758627"/>
               </a:tblGrid>
-              <a:tr h="370840">
+              <a:tr h="318433">
                 <a:tc>
                   <a:txBody>
                     <a:bodyPr/>
@@ -6149,7 +6386,7 @@
                   <a:tcPr/>
                 </a:tc>
               </a:tr>
-              <a:tr h="370840">
+              <a:tr h="471106">
                 <a:tc>
                   <a:txBody>
                     <a:bodyPr/>
@@ -6163,26 +6400,6 @@
                         <a:t>黄蔚菁</a:t>
                       </a:r>
                       <a:endParaRPr lang="en-US" altLang="zh-CN" sz="1800" dirty="0" smtClean="0">
-                        <a:latin typeface="Meiryo" panose="020B0604030504040204" pitchFamily="34" charset="-128"/>
-                        <a:ea typeface="Meiryo" panose="020B0604030504040204" pitchFamily="34" charset="-128"/>
-                      </a:endParaRPr>
-                    </a:p>
-                    <a:p>
-                      <a:r>
-                        <a:rPr lang="en-US" altLang="ja-JP" sz="1600" dirty="0" smtClean="0">
-                          <a:latin typeface="Meiryo" panose="020B0604030504040204" pitchFamily="34" charset="-128"/>
-                          <a:ea typeface="Meiryo" panose="020B0604030504040204" pitchFamily="34" charset="-128"/>
-                        </a:rPr>
-                        <a:t>※</a:t>
-                      </a:r>
-                      <a:r>
-                        <a:rPr lang="ja-JP" altLang="en-US" sz="1600" dirty="0" smtClean="0">
-                          <a:latin typeface="Meiryo" panose="020B0604030504040204" pitchFamily="34" charset="-128"/>
-                          <a:ea typeface="Meiryo" panose="020B0604030504040204" pitchFamily="34" charset="-128"/>
-                        </a:rPr>
-                        <a:t>勉強会推進</a:t>
-                      </a:r>
-                      <a:endParaRPr lang="en-US" altLang="zh-CN" sz="1600" dirty="0" smtClean="0">
                         <a:latin typeface="Meiryo" panose="020B0604030504040204" pitchFamily="34" charset="-128"/>
                         <a:ea typeface="Meiryo" panose="020B0604030504040204" pitchFamily="34" charset="-128"/>
                       </a:endParaRPr>
@@ -6240,7 +6457,7 @@
                   <a:tcPr/>
                 </a:tc>
               </a:tr>
-              <a:tr h="370840">
+              <a:tr h="471106">
                 <a:tc>
                   <a:txBody>
                     <a:bodyPr/>
@@ -6325,7 +6542,7 @@
                   <a:tcPr/>
                 </a:tc>
               </a:tr>
-              <a:tr h="370840">
+              <a:tr h="471106">
                 <a:tc>
                   <a:txBody>
                     <a:bodyPr/>
@@ -6403,7 +6620,7 @@
                   <a:tcPr/>
                 </a:tc>
               </a:tr>
-              <a:tr h="1551364">
+              <a:tr h="1332124">
                 <a:tc>
                   <a:txBody>
                     <a:bodyPr/>
@@ -6478,82 +6695,69 @@
           </a:graphicData>
         </a:graphic>
       </p:graphicFrame>
+      <p:sp>
+        <p:nvSpPr>
+          <p:cNvPr id="5" name="矩形 4"/>
+          <p:cNvSpPr/>
+          <p:nvPr/>
+        </p:nvSpPr>
+        <p:spPr>
+          <a:xfrm>
+            <a:off x="838200" y="5317936"/>
+            <a:ext cx="9973622" cy="1311464"/>
+          </a:xfrm>
+          <a:prstGeom prst="rect">
+            <a:avLst/>
+          </a:prstGeom>
+          <a:solidFill>
+            <a:schemeClr val="accent3">
+              <a:lumMod val="75000"/>
+            </a:schemeClr>
+          </a:solidFill>
+        </p:spPr>
+        <p:style>
+          <a:lnRef idx="0">
+            <a:schemeClr val="accent5"/>
+          </a:lnRef>
+          <a:fillRef idx="3">
+            <a:schemeClr val="accent5"/>
+          </a:fillRef>
+          <a:effectRef idx="3">
+            <a:schemeClr val="accent5"/>
+          </a:effectRef>
+          <a:fontRef idx="minor">
+            <a:schemeClr val="lt1"/>
+          </a:fontRef>
+        </p:style>
+        <p:txBody>
+          <a:bodyPr rtlCol="0" anchor="ctr"/>
+          <a:lstStyle/>
+          <a:p>
+            <a:pPr algn="ctr"/>
+            <a:r>
+              <a:rPr lang="ja-JP" altLang="en-US" sz="2800" dirty="0" smtClean="0"/>
+              <a:t>所属、氏名と参加する旨を上記の連絡先に送ってください！</a:t>
+            </a:r>
+            <a:endParaRPr lang="en-US" altLang="ja-JP" sz="2800" dirty="0" smtClean="0"/>
+          </a:p>
+          <a:p>
+            <a:pPr algn="ctr"/>
+            <a:r>
+              <a:rPr lang="ja-JP" altLang="en-US" sz="2800" dirty="0"/>
+              <a:t>皆</a:t>
+            </a:r>
+            <a:r>
+              <a:rPr lang="ja-JP" altLang="en-US" sz="2800" dirty="0" smtClean="0"/>
+              <a:t>さんのお申込みをお待ちしております。</a:t>
+            </a:r>
+            <a:endParaRPr lang="en-US" sz="2800" dirty="0" smtClean="0"/>
+          </a:p>
+        </p:txBody>
+      </p:sp>
     </p:spTree>
     <p:extLst>
       <p:ext uri="{BB962C8B-B14F-4D97-AF65-F5344CB8AC3E}">
         <p14:creationId xmlns:p14="http://schemas.microsoft.com/office/powerpoint/2010/main" val="1789013698"/>
-      </p:ext>
-    </p:extLst>
-  </p:cSld>
-  <p:clrMapOvr>
-    <a:masterClrMapping/>
-  </p:clrMapOvr>
-</p:sld>
-</file>
-
-<file path=ppt/slides/slide12.xml><?xml version="1.0" encoding="utf-8"?>
-<p:sld xmlns:a="http://schemas.openxmlformats.org/drawingml/2006/main" xmlns:r="http://schemas.openxmlformats.org/officeDocument/2006/relationships" xmlns:p="http://schemas.openxmlformats.org/presentationml/2006/main">
-  <p:cSld>
-    <p:spTree>
-      <p:nvGrpSpPr>
-        <p:cNvPr id="1" name=""/>
-        <p:cNvGrpSpPr/>
-        <p:nvPr/>
-      </p:nvGrpSpPr>
-      <p:grpSpPr>
-        <a:xfrm>
-          <a:off x="0" y="0"/>
-          <a:ext cx="0" cy="0"/>
-          <a:chOff x="0" y="0"/>
-          <a:chExt cx="0" cy="0"/>
-        </a:xfrm>
-      </p:grpSpPr>
-      <p:sp>
-        <p:nvSpPr>
-          <p:cNvPr id="6" name="标题 5"/>
-          <p:cNvSpPr>
-            <a:spLocks noGrp="1"/>
-          </p:cNvSpPr>
-          <p:nvPr>
-            <p:ph type="ctrTitle"/>
-          </p:nvPr>
-        </p:nvSpPr>
-        <p:spPr/>
-        <p:txBody>
-          <a:bodyPr/>
-          <a:lstStyle/>
-          <a:p>
-            <a:r>
-              <a:rPr lang="ja-JP" altLang="en-US" dirty="0" smtClean="0"/>
-              <a:t>質問コーナー</a:t>
-            </a:r>
-            <a:endParaRPr lang="en-US" dirty="0"/>
-          </a:p>
-        </p:txBody>
-      </p:sp>
-      <p:sp>
-        <p:nvSpPr>
-          <p:cNvPr id="7" name="副标题 6"/>
-          <p:cNvSpPr>
-            <a:spLocks noGrp="1"/>
-          </p:cNvSpPr>
-          <p:nvPr>
-            <p:ph type="subTitle" idx="1"/>
-          </p:nvPr>
-        </p:nvSpPr>
-        <p:spPr/>
-        <p:txBody>
-          <a:bodyPr/>
-          <a:lstStyle/>
-          <a:p>
-            <a:endParaRPr lang="en-US"/>
-          </a:p>
-        </p:txBody>
-      </p:sp>
-    </p:spTree>
-    <p:extLst>
-      <p:ext uri="{BB962C8B-B14F-4D97-AF65-F5344CB8AC3E}">
-        <p14:creationId xmlns:p14="http://schemas.microsoft.com/office/powerpoint/2010/main" val="4242821812"/>
       </p:ext>
     </p:extLst>
   </p:cSld>
@@ -6597,7 +6801,15 @@
           <a:p>
             <a:r>
               <a:rPr lang="ja-JP" altLang="en-US" dirty="0" smtClean="0"/>
-              <a:t>勉強会テーマと日程</a:t>
+              <a:t>勉強</a:t>
+            </a:r>
+            <a:r>
+              <a:rPr lang="ja-JP" altLang="en-US" dirty="0" smtClean="0"/>
+              <a:t>会のテ</a:t>
+            </a:r>
+            <a:r>
+              <a:rPr lang="ja-JP" altLang="en-US" dirty="0" smtClean="0"/>
+              <a:t>ーマと日程</a:t>
             </a:r>
             <a:endParaRPr lang="en-US" dirty="0"/>
           </a:p>
@@ -6925,14 +7137,7 @@
                           <a:latin typeface="Meiryo" panose="020B0604030504040204" pitchFamily="34" charset="-128"/>
                           <a:ea typeface="Meiryo" panose="020B0604030504040204" pitchFamily="34" charset="-128"/>
                         </a:rPr>
-                        <a:t>第１、３水曜日</a:t>
-                      </a:r>
-                      <a:r>
-                        <a:rPr lang="ja-JP" altLang="en-US" sz="1800" dirty="0" smtClean="0">
-                          <a:latin typeface="Meiryo" panose="020B0604030504040204" pitchFamily="34" charset="-128"/>
-                          <a:ea typeface="Meiryo" panose="020B0604030504040204" pitchFamily="34" charset="-128"/>
-                        </a:rPr>
-                        <a:t>　</a:t>
+                        <a:t>第１、３水曜日　</a:t>
                       </a:r>
                       <a:r>
                         <a:rPr lang="en-US" altLang="ja-JP" sz="1800" dirty="0" smtClean="0">
@@ -7096,14 +7301,7 @@
                           <a:latin typeface="Meiryo" panose="020B0604030504040204" pitchFamily="34" charset="-128"/>
                           <a:ea typeface="Meiryo" panose="020B0604030504040204" pitchFamily="34" charset="-128"/>
                         </a:rPr>
-                        <a:t>第２、４木曜日</a:t>
-                      </a:r>
-                      <a:r>
-                        <a:rPr lang="ja-JP" altLang="en-US" sz="1800" dirty="0" smtClean="0">
-                          <a:latin typeface="Meiryo" panose="020B0604030504040204" pitchFamily="34" charset="-128"/>
-                          <a:ea typeface="Meiryo" panose="020B0604030504040204" pitchFamily="34" charset="-128"/>
-                        </a:rPr>
-                        <a:t>　</a:t>
+                        <a:t>第２、４木曜日　</a:t>
                       </a:r>
                       <a:r>
                         <a:rPr lang="en-US" altLang="ja-JP" sz="1800" dirty="0" smtClean="0">
@@ -7260,14 +7458,7 @@
                           <a:latin typeface="Meiryo" panose="020B0604030504040204" pitchFamily="34" charset="-128"/>
                           <a:ea typeface="Meiryo" panose="020B0604030504040204" pitchFamily="34" charset="-128"/>
                         </a:rPr>
-                        <a:t>第２、４水曜日</a:t>
-                      </a:r>
-                      <a:r>
-                        <a:rPr lang="ja-JP" altLang="en-US" sz="1800" dirty="0" smtClean="0">
-                          <a:latin typeface="Meiryo" panose="020B0604030504040204" pitchFamily="34" charset="-128"/>
-                          <a:ea typeface="Meiryo" panose="020B0604030504040204" pitchFamily="34" charset="-128"/>
-                        </a:rPr>
-                        <a:t>　</a:t>
+                        <a:t>第２、４水曜日　</a:t>
                       </a:r>
                       <a:r>
                         <a:rPr lang="en-US" altLang="ja-JP" sz="1800" dirty="0" smtClean="0">
@@ -7473,7 +7664,7 @@
           <p:nvPr/>
         </p:nvPicPr>
         <p:blipFill>
-          <a:blip r:embed="rId3"/>
+          <a:blip r:embed="rId2"/>
           <a:stretch>
             <a:fillRect/>
           </a:stretch>
@@ -7500,63 +7691,6 @@
           </a:effectLst>
         </p:spPr>
       </p:pic>
-      <p:graphicFrame>
-        <p:nvGraphicFramePr>
-          <p:cNvPr id="5" name="对象 4"/>
-          <p:cNvGraphicFramePr>
-            <a:graphicFrameLocks noChangeAspect="1"/>
-          </p:cNvGraphicFramePr>
-          <p:nvPr>
-            <p:extLst>
-              <p:ext uri="{D42A27DB-BD31-4B8C-83A1-F6EECF244321}">
-                <p14:modId xmlns:p14="http://schemas.microsoft.com/office/powerpoint/2010/main" val="1672094735"/>
-              </p:ext>
-            </p:extLst>
-          </p:nvPr>
-        </p:nvGraphicFramePr>
-        <p:xfrm>
-          <a:off x="327314" y="5650490"/>
-          <a:ext cx="2017713" cy="635000"/>
-        </p:xfrm>
-        <a:graphic>
-          <a:graphicData uri="http://schemas.openxmlformats.org/presentationml/2006/ole">
-            <mc:AlternateContent xmlns:mc="http://schemas.openxmlformats.org/markup-compatibility/2006">
-              <mc:Choice xmlns:v="urn:schemas-microsoft-com:vml" Requires="v">
-                <p:oleObj spid="_x0000_s1032" name="包装程序外壳对象" showAsIcon="1" r:id="rId4" imgW="2018160" imgH="635760" progId="Package">
-                  <p:embed/>
-                </p:oleObj>
-              </mc:Choice>
-              <mc:Fallback>
-                <p:oleObj name="包装程序外壳对象" showAsIcon="1" r:id="rId4" imgW="2018160" imgH="635760" progId="Package">
-                  <p:embed/>
-                  <p:pic>
-                    <p:nvPicPr>
-                      <p:cNvPr id="0" name=""/>
-                      <p:cNvPicPr/>
-                      <p:nvPr/>
-                    </p:nvPicPr>
-                    <p:blipFill>
-                      <a:blip r:embed="rId5"/>
-                      <a:stretch>
-                        <a:fillRect/>
-                      </a:stretch>
-                    </p:blipFill>
-                    <p:spPr>
-                      <a:xfrm>
-                        <a:off x="327314" y="5650490"/>
-                        <a:ext cx="2017713" cy="635000"/>
-                      </a:xfrm>
-                      <a:prstGeom prst="rect">
-                        <a:avLst/>
-                      </a:prstGeom>
-                    </p:spPr>
-                  </p:pic>
-                </p:oleObj>
-              </mc:Fallback>
-            </mc:AlternateContent>
-          </a:graphicData>
-        </a:graphic>
-      </p:graphicFrame>
     </p:spTree>
     <p:extLst>
       <p:ext uri="{BB962C8B-B14F-4D97-AF65-F5344CB8AC3E}">
@@ -7609,19 +7743,15 @@
               <a:t>勉強会テーマ紹介</a:t>
             </a:r>
             <a:r>
-              <a:rPr lang="en-US" altLang="ja-JP" dirty="0"/>
+              <a:rPr lang="en-US" altLang="ja-JP" dirty="0" smtClean="0"/>
               <a:t/>
             </a:r>
             <a:br>
-              <a:rPr lang="en-US" altLang="ja-JP" dirty="0"/>
+              <a:rPr lang="en-US" altLang="ja-JP" dirty="0" smtClean="0"/>
             </a:br>
             <a:r>
-              <a:rPr lang="en-US" altLang="ja-JP" sz="2400" dirty="0" smtClean="0"/>
-              <a:t>RPA</a:t>
-            </a:r>
-            <a:r>
               <a:rPr lang="ja-JP" altLang="en-US" sz="2400" dirty="0" smtClean="0"/>
-              <a:t>（</a:t>
+              <a:t>ＲＰＡ（</a:t>
             </a:r>
             <a:r>
               <a:rPr lang="en-US" altLang="ja-JP" sz="2400" dirty="0"/>
@@ -7653,6 +7783,116 @@
         <p:txBody>
           <a:bodyPr/>
           <a:lstStyle/>
+          <a:p>
+            <a:r>
+              <a:rPr lang="ja-JP" altLang="en-US" dirty="0" smtClean="0"/>
+              <a:t>ＲＰＡとは</a:t>
+            </a:r>
+            <a:r>
+              <a:rPr lang="ja-JP" altLang="en-US" dirty="0"/>
+              <a:t>「</a:t>
+            </a:r>
+            <a:r>
+              <a:rPr lang="en-US" altLang="ja-JP" dirty="0"/>
+              <a:t>Robotic Process Automation</a:t>
+            </a:r>
+            <a:r>
+              <a:rPr lang="ja-JP" altLang="en-US" dirty="0"/>
+              <a:t>」の略語で</a:t>
+            </a:r>
+            <a:r>
+              <a:rPr lang="ja-JP" altLang="en-US" dirty="0" smtClean="0"/>
+              <a:t>、</a:t>
+            </a:r>
+            <a:r>
+              <a:rPr lang="en-US" altLang="ja-JP" dirty="0" smtClean="0"/>
+              <a:t>PC</a:t>
+            </a:r>
+            <a:r>
+              <a:rPr lang="ja-JP" altLang="en-US" dirty="0"/>
+              <a:t>などを用いて行っている一連の作業を自動化できる「ソフトウェアロボット」のことである</a:t>
+            </a:r>
+            <a:r>
+              <a:rPr lang="ja-JP" altLang="en-US" dirty="0" smtClean="0"/>
+              <a:t>。本勉強会では、主</a:t>
+            </a:r>
+            <a:r>
+              <a:rPr lang="ja-JP" altLang="en-US" dirty="0"/>
+              <a:t>に</a:t>
+            </a:r>
+            <a:r>
+              <a:rPr lang="en-US" altLang="ja-JP" dirty="0" err="1" smtClean="0"/>
+              <a:t>UiPath</a:t>
+            </a:r>
+            <a:r>
+              <a:rPr lang="ja-JP" altLang="en-US" dirty="0" smtClean="0"/>
+              <a:t>を利用して、ＲＰＡの知</a:t>
+            </a:r>
+            <a:r>
+              <a:rPr lang="ja-JP" altLang="en-US" dirty="0"/>
+              <a:t>識を共有しながら</a:t>
+            </a:r>
+            <a:r>
+              <a:rPr lang="ja-JP" altLang="en-US" dirty="0" smtClean="0"/>
+              <a:t>、業</a:t>
+            </a:r>
+            <a:r>
+              <a:rPr lang="ja-JP" altLang="en-US" dirty="0"/>
+              <a:t>務自動化に関する様々な情報を参加者同士で楽しく交換し合える勉強会です</a:t>
+            </a:r>
+            <a:r>
+              <a:rPr lang="ja-JP" altLang="en-US" dirty="0" smtClean="0"/>
+              <a:t>。</a:t>
+            </a:r>
+            <a:endParaRPr lang="en-US" altLang="ja-JP" dirty="0" smtClean="0"/>
+          </a:p>
+          <a:p>
+            <a:endParaRPr lang="en-US" dirty="0"/>
+          </a:p>
+          <a:p>
+            <a:r>
+              <a:rPr lang="zh-CN" altLang="en-US" dirty="0"/>
+              <a:t>第１、３木曜日　</a:t>
+            </a:r>
+            <a:r>
+              <a:rPr lang="en-US" altLang="zh-CN" dirty="0"/>
+              <a:t>19:00-20:30</a:t>
+            </a:r>
+            <a:r>
+              <a:rPr lang="zh-CN" altLang="en-US" dirty="0"/>
+              <a:t>（休憩</a:t>
+            </a:r>
+            <a:r>
+              <a:rPr lang="en-US" altLang="zh-CN" dirty="0"/>
+              <a:t>10</a:t>
+            </a:r>
+            <a:r>
+              <a:rPr lang="zh-CN" altLang="en-US" dirty="0"/>
+              <a:t>分）</a:t>
+            </a:r>
+          </a:p>
+          <a:p>
+            <a:r>
+              <a:rPr lang="zh-CN" altLang="en-US" dirty="0"/>
+              <a:t>初回：</a:t>
+            </a:r>
+            <a:r>
+              <a:rPr lang="en-US" altLang="zh-CN" dirty="0"/>
+              <a:t>2</a:t>
+            </a:r>
+            <a:r>
+              <a:rPr lang="zh-CN" altLang="en-US" dirty="0"/>
+              <a:t>月</a:t>
+            </a:r>
+            <a:r>
+              <a:rPr lang="en-US" altLang="zh-CN" dirty="0"/>
+              <a:t>18</a:t>
+            </a:r>
+            <a:r>
+              <a:rPr lang="zh-CN" altLang="en-US" dirty="0"/>
+              <a:t>日（木）</a:t>
+            </a:r>
+          </a:p>
           <a:p>
             <a:endParaRPr lang="en-US" dirty="0"/>
           </a:p>
@@ -7700,29 +7940,123 @@
         </p:nvSpPr>
         <p:spPr/>
         <p:txBody>
+          <a:bodyPr>
+            <a:normAutofit/>
+          </a:bodyPr>
+          <a:lstStyle/>
+          <a:p>
+            <a:r>
+              <a:rPr lang="ja-JP" altLang="en-US" dirty="0"/>
+              <a:t>勉強会テーマ紹介</a:t>
+            </a:r>
+            <a:r>
+              <a:rPr lang="en-US" sz="2400" dirty="0" smtClean="0"/>
+              <a:t/>
+            </a:r>
+            <a:br>
+              <a:rPr lang="en-US" sz="2400" dirty="0" smtClean="0"/>
+            </a:br>
+            <a:r>
+              <a:rPr lang="ja-JP" altLang="en-US" sz="2400" dirty="0" smtClean="0"/>
+              <a:t>ＰＭ（</a:t>
+            </a:r>
+            <a:r>
+              <a:rPr lang="en-US" altLang="ja-JP" sz="2400" dirty="0"/>
+              <a:t>Project Management</a:t>
+            </a:r>
+            <a:r>
+              <a:rPr lang="ja-JP" altLang="en-US" sz="2400" dirty="0"/>
+              <a:t>：プロジェクト</a:t>
+            </a:r>
+            <a:r>
+              <a:rPr lang="ja-JP" altLang="en-US" sz="2400" dirty="0" smtClean="0"/>
+              <a:t>管理）</a:t>
+            </a:r>
+            <a:endParaRPr lang="zh-CN" altLang="en-US" sz="2400" dirty="0"/>
+          </a:p>
+        </p:txBody>
+      </p:sp>
+      <p:sp>
+        <p:nvSpPr>
+          <p:cNvPr id="3" name="内容占位符 2"/>
+          <p:cNvSpPr>
+            <a:spLocks noGrp="1"/>
+          </p:cNvSpPr>
+          <p:nvPr>
+            <p:ph idx="1"/>
+          </p:nvPr>
+        </p:nvSpPr>
+        <p:spPr/>
+        <p:txBody>
           <a:bodyPr/>
           <a:lstStyle/>
           <a:p>
-            <a:endParaRPr lang="en-US"/>
-          </a:p>
-        </p:txBody>
-      </p:sp>
-      <p:sp>
-        <p:nvSpPr>
-          <p:cNvPr id="3" name="内容占位符 2"/>
-          <p:cNvSpPr>
-            <a:spLocks noGrp="1"/>
-          </p:cNvSpPr>
-          <p:nvPr>
-            <p:ph idx="1"/>
-          </p:nvPr>
-        </p:nvSpPr>
-        <p:spPr/>
-        <p:txBody>
-          <a:bodyPr/>
-          <a:lstStyle/>
-          <a:p>
-            <a:endParaRPr lang="en-US"/>
+            <a:r>
+              <a:rPr lang="ja-JP" altLang="en-US" dirty="0"/>
+              <a:t>ディスカッションを中心に管理能力向上の勉強会です</a:t>
+            </a:r>
+            <a:r>
+              <a:rPr lang="ja-JP" altLang="en-US" dirty="0" smtClean="0"/>
+              <a:t>。第</a:t>
+            </a:r>
+            <a:r>
+              <a:rPr lang="en-US" altLang="ja-JP" dirty="0" smtClean="0"/>
+              <a:t>1</a:t>
+            </a:r>
+            <a:r>
+              <a:rPr lang="ja-JP" altLang="en-US" dirty="0"/>
+              <a:t>回目は、参加者の向上させたい管理能力を確認を行う予定です。</a:t>
+            </a:r>
+          </a:p>
+          <a:p>
+            <a:endParaRPr lang="en-US" dirty="0" smtClean="0"/>
+          </a:p>
+          <a:p>
+            <a:r>
+              <a:rPr lang="zh-CN" altLang="en-US" dirty="0"/>
+              <a:t>第１、３水曜日　</a:t>
+            </a:r>
+            <a:r>
+              <a:rPr lang="en-US" altLang="zh-CN" dirty="0"/>
+              <a:t>19:00-20:30</a:t>
+            </a:r>
+            <a:r>
+              <a:rPr lang="zh-CN" altLang="en-US" dirty="0"/>
+              <a:t>（休憩</a:t>
+            </a:r>
+            <a:r>
+              <a:rPr lang="en-US" altLang="zh-CN" dirty="0"/>
+              <a:t>10</a:t>
+            </a:r>
+            <a:r>
+              <a:rPr lang="zh-CN" altLang="en-US" dirty="0"/>
+              <a:t>分）</a:t>
+            </a:r>
+          </a:p>
+          <a:p>
+            <a:r>
+              <a:rPr lang="zh-CN" altLang="en-US" dirty="0"/>
+              <a:t>初回：</a:t>
+            </a:r>
+            <a:r>
+              <a:rPr lang="en-US" altLang="zh-CN" dirty="0"/>
+              <a:t>2</a:t>
+            </a:r>
+            <a:r>
+              <a:rPr lang="zh-CN" altLang="en-US" dirty="0"/>
+              <a:t>月</a:t>
+            </a:r>
+            <a:r>
+              <a:rPr lang="en-US" altLang="zh-CN" dirty="0"/>
+              <a:t>17</a:t>
+            </a:r>
+            <a:r>
+              <a:rPr lang="zh-CN" altLang="en-US" dirty="0"/>
+              <a:t>日（水）</a:t>
+            </a:r>
+          </a:p>
+          <a:p>
+            <a:endParaRPr lang="en-US" dirty="0"/>
           </a:p>
         </p:txBody>
       </p:sp>
@@ -7769,80 +8103,221 @@
         <p:spPr/>
         <p:txBody>
           <a:bodyPr>
-            <a:normAutofit/>
+            <a:normAutofit fontScale="90000"/>
           </a:bodyPr>
           <a:lstStyle/>
           <a:p>
             <a:r>
+              <a:rPr lang="zh-CN" altLang="en-US" sz="4000" dirty="0"/>
+              <a:t>勉強会</a:t>
+            </a:r>
+            <a:r>
+              <a:rPr lang="ja-JP" altLang="en-US" sz="4000" dirty="0"/>
+              <a:t>テーマ</a:t>
+            </a:r>
+            <a:r>
+              <a:rPr lang="zh-CN" altLang="en-US" sz="4000" dirty="0"/>
+              <a:t>紹</a:t>
+            </a:r>
+            <a:r>
+              <a:rPr lang="zh-CN" altLang="en-US" sz="4000" dirty="0" smtClean="0"/>
+              <a:t>介</a:t>
+            </a:r>
+            <a:r>
+              <a:rPr lang="en-US" altLang="zh-CN" dirty="0" smtClean="0"/>
+              <a:t/>
+            </a:r>
+            <a:br>
+              <a:rPr lang="en-US" altLang="zh-CN" dirty="0" smtClean="0"/>
+            </a:br>
+            <a:r>
+              <a:rPr lang="ja-JP" altLang="en-US" sz="2400" dirty="0" smtClean="0"/>
+              <a:t>ＴＯＣ（</a:t>
+            </a:r>
+            <a:r>
+              <a:rPr lang="en-US" altLang="zh-CN" sz="2400" dirty="0" smtClean="0"/>
+              <a:t>Theory </a:t>
+            </a:r>
+            <a:r>
+              <a:rPr lang="en-US" altLang="zh-CN" sz="2400" dirty="0"/>
+              <a:t>Of Constraints</a:t>
+            </a:r>
+            <a:r>
+              <a:rPr lang="zh-CN" altLang="en-US" sz="2400" dirty="0"/>
+              <a:t>：制約条件</a:t>
+            </a:r>
+            <a:r>
+              <a:rPr lang="ja-JP" altLang="en-US" sz="2400" dirty="0"/>
+              <a:t>の</a:t>
+            </a:r>
+            <a:r>
+              <a:rPr lang="zh-CN" altLang="en-US" sz="2400" dirty="0"/>
+              <a:t>理</a:t>
+            </a:r>
+            <a:r>
+              <a:rPr lang="zh-CN" altLang="en-US" sz="2400" dirty="0" smtClean="0"/>
+              <a:t>論</a:t>
+            </a:r>
+            <a:r>
+              <a:rPr lang="ja-JP" altLang="en-US" sz="2400" dirty="0" smtClean="0"/>
+              <a:t>）</a:t>
+            </a:r>
+            <a:r>
+              <a:rPr lang="zh-CN" altLang="en-US" sz="2400" dirty="0"/>
+              <a:t/>
+            </a:r>
+            <a:br>
+              <a:rPr lang="zh-CN" altLang="en-US" sz="2400" dirty="0"/>
+            </a:br>
+            <a:endParaRPr lang="zh-CN" altLang="en-US" sz="2400" dirty="0"/>
+          </a:p>
+        </p:txBody>
+      </p:sp>
+      <p:sp>
+        <p:nvSpPr>
+          <p:cNvPr id="3" name="内容占位符 2"/>
+          <p:cNvSpPr>
+            <a:spLocks noGrp="1"/>
+          </p:cNvSpPr>
+          <p:nvPr>
+            <p:ph idx="1"/>
+          </p:nvPr>
+        </p:nvSpPr>
+        <p:spPr/>
+        <p:txBody>
+          <a:bodyPr/>
+          <a:lstStyle/>
+          <a:p>
+            <a:r>
               <a:rPr lang="ja-JP" altLang="en-US" dirty="0"/>
-              <a:t>勉強会テーマ紹介</a:t>
+              <a:t>プロジェクト管理や設計、プログラミング、私生活等に幅広く使える論理的思考法、</a:t>
             </a:r>
             <a:r>
               <a:rPr lang="en-US" altLang="ja-JP" dirty="0"/>
-              <a:t/>
-            </a:r>
-            <a:br>
+              <a:t>TOC(</a:t>
+            </a:r>
+            <a:r>
+              <a:rPr lang="ja-JP" altLang="en-US" dirty="0"/>
+              <a:t>制約条件の理論</a:t>
+            </a:r>
+            <a:r>
               <a:rPr lang="en-US" altLang="ja-JP" dirty="0"/>
-            </a:br>
-            <a:r>
-              <a:rPr lang="en-US" altLang="ja-JP" sz="2400" dirty="0" smtClean="0"/>
-              <a:t>JP1</a:t>
-            </a:r>
-            <a:r>
-              <a:rPr lang="ja-JP" altLang="en-US" sz="2400" dirty="0" smtClean="0"/>
-              <a:t>（統</a:t>
-            </a:r>
-            <a:r>
-              <a:rPr lang="ja-JP" altLang="en-US" sz="2400" dirty="0"/>
-              <a:t>合システム運用</a:t>
-            </a:r>
-            <a:r>
-              <a:rPr lang="ja-JP" altLang="en-US" sz="2400" dirty="0" smtClean="0"/>
-              <a:t>管理製品）</a:t>
-            </a:r>
-            <a:endParaRPr lang="en-US" dirty="0"/>
-          </a:p>
-        </p:txBody>
-      </p:sp>
-      <p:sp>
-        <p:nvSpPr>
-          <p:cNvPr id="3" name="内容占位符 2"/>
-          <p:cNvSpPr>
-            <a:spLocks noGrp="1"/>
-          </p:cNvSpPr>
-          <p:nvPr>
-            <p:ph idx="1"/>
-          </p:nvPr>
-        </p:nvSpPr>
-        <p:spPr/>
-        <p:txBody>
-          <a:bodyPr/>
-          <a:lstStyle/>
-          <a:p>
-            <a:r>
-              <a:rPr lang="en-US" altLang="ja-JP" dirty="0"/>
-              <a:t>JP1</a:t>
+              <a:t>)</a:t>
             </a:r>
             <a:r>
               <a:rPr lang="ja-JP" altLang="en-US" dirty="0"/>
-              <a:t>製品の機能についてジョブ管理、統合監視をメインに説明を行い、使用できる機能の理解や業務活用方法を共有することを目的とする勉強会です。製品としては主に自動化のツールとして幅広く使用され、</a:t>
-            </a:r>
-            <a:r>
-              <a:rPr lang="en-US" altLang="ja-JP" dirty="0"/>
-              <a:t>RPA</a:t>
-            </a:r>
-            <a:r>
-              <a:rPr lang="ja-JP" altLang="en-US" dirty="0"/>
-              <a:t>との連動などもできます。</a:t>
-            </a:r>
-            <a:endParaRPr lang="en-US" dirty="0"/>
+              <a:t>について、理論や実践方法を習得し参加者全員の問題解決力を高めることを目的とする勉強会です</a:t>
+            </a:r>
+            <a:r>
+              <a:rPr lang="ja-JP" altLang="en-US" dirty="0" smtClean="0"/>
+              <a:t>。</a:t>
+            </a:r>
+            <a:endParaRPr lang="en-US" altLang="ja-JP" dirty="0"/>
+          </a:p>
+          <a:p>
+            <a:endParaRPr lang="en-US" altLang="ja-JP" dirty="0" smtClean="0">
+              <a:latin typeface="Meiryo" panose="020B0604030504040204" pitchFamily="34" charset="-128"/>
+              <a:ea typeface="Meiryo" panose="020B0604030504040204" pitchFamily="34" charset="-128"/>
+            </a:endParaRPr>
+          </a:p>
+          <a:p>
+            <a:r>
+              <a:rPr lang="ja-JP" altLang="en-US" dirty="0" smtClean="0">
+                <a:latin typeface="Meiryo" panose="020B0604030504040204" pitchFamily="34" charset="-128"/>
+                <a:ea typeface="Meiryo" panose="020B0604030504040204" pitchFamily="34" charset="-128"/>
+              </a:rPr>
+              <a:t>第２</a:t>
+            </a:r>
+            <a:r>
+              <a:rPr lang="ja-JP" altLang="en-US" dirty="0">
+                <a:latin typeface="Meiryo" panose="020B0604030504040204" pitchFamily="34" charset="-128"/>
+                <a:ea typeface="Meiryo" panose="020B0604030504040204" pitchFamily="34" charset="-128"/>
+              </a:rPr>
+              <a:t>、４木曜日　</a:t>
+            </a:r>
+            <a:r>
+              <a:rPr lang="en-US" altLang="ja-JP" dirty="0">
+                <a:latin typeface="Meiryo" panose="020B0604030504040204" pitchFamily="34" charset="-128"/>
+                <a:ea typeface="Meiryo" panose="020B0604030504040204" pitchFamily="34" charset="-128"/>
+              </a:rPr>
+              <a:t>19:00-20:30</a:t>
+            </a:r>
+            <a:r>
+              <a:rPr lang="ja-JP" altLang="en-US" dirty="0">
+                <a:latin typeface="Meiryo" panose="020B0604030504040204" pitchFamily="34" charset="-128"/>
+                <a:ea typeface="Meiryo" panose="020B0604030504040204" pitchFamily="34" charset="-128"/>
+              </a:rPr>
+              <a:t>（休憩</a:t>
+            </a:r>
+            <a:r>
+              <a:rPr lang="en-US" altLang="ja-JP" dirty="0">
+                <a:latin typeface="Meiryo" panose="020B0604030504040204" pitchFamily="34" charset="-128"/>
+                <a:ea typeface="Meiryo" panose="020B0604030504040204" pitchFamily="34" charset="-128"/>
+              </a:rPr>
+              <a:t>10</a:t>
+            </a:r>
+            <a:r>
+              <a:rPr lang="ja-JP" altLang="en-US" dirty="0">
+                <a:latin typeface="Meiryo" panose="020B0604030504040204" pitchFamily="34" charset="-128"/>
+                <a:ea typeface="Meiryo" panose="020B0604030504040204" pitchFamily="34" charset="-128"/>
+              </a:rPr>
+              <a:t>分）</a:t>
+            </a:r>
+            <a:endParaRPr lang="en-US" altLang="ja-JP" dirty="0">
+              <a:latin typeface="Meiryo" panose="020B0604030504040204" pitchFamily="34" charset="-128"/>
+              <a:ea typeface="Meiryo" panose="020B0604030504040204" pitchFamily="34" charset="-128"/>
+            </a:endParaRPr>
+          </a:p>
+          <a:p>
+            <a:r>
+              <a:rPr lang="ja-JP" altLang="en-US" dirty="0">
+                <a:latin typeface="Meiryo" panose="020B0604030504040204" pitchFamily="34" charset="-128"/>
+                <a:ea typeface="Meiryo" panose="020B0604030504040204" pitchFamily="34" charset="-128"/>
+              </a:rPr>
+              <a:t>初回：</a:t>
+            </a:r>
+            <a:r>
+              <a:rPr lang="en-US" altLang="ja-JP" dirty="0">
+                <a:latin typeface="Meiryo" panose="020B0604030504040204" pitchFamily="34" charset="-128"/>
+                <a:ea typeface="Meiryo" panose="020B0604030504040204" pitchFamily="34" charset="-128"/>
+              </a:rPr>
+              <a:t>2</a:t>
+            </a:r>
+            <a:r>
+              <a:rPr lang="ja-JP" altLang="en-US" dirty="0">
+                <a:latin typeface="Meiryo" panose="020B0604030504040204" pitchFamily="34" charset="-128"/>
+                <a:ea typeface="Meiryo" panose="020B0604030504040204" pitchFamily="34" charset="-128"/>
+              </a:rPr>
+              <a:t>月</a:t>
+            </a:r>
+            <a:r>
+              <a:rPr lang="en-US" altLang="ja-JP" dirty="0">
+                <a:latin typeface="Meiryo" panose="020B0604030504040204" pitchFamily="34" charset="-128"/>
+                <a:ea typeface="Meiryo" panose="020B0604030504040204" pitchFamily="34" charset="-128"/>
+              </a:rPr>
+              <a:t>25</a:t>
+            </a:r>
+            <a:r>
+              <a:rPr lang="ja-JP" altLang="en-US" dirty="0">
+                <a:latin typeface="Meiryo" panose="020B0604030504040204" pitchFamily="34" charset="-128"/>
+                <a:ea typeface="Meiryo" panose="020B0604030504040204" pitchFamily="34" charset="-128"/>
+              </a:rPr>
+              <a:t>日（木）</a:t>
+            </a:r>
+            <a:endParaRPr lang="en-US" altLang="zh-CN" dirty="0">
+              <a:latin typeface="Meiryo" panose="020B0604030504040204" pitchFamily="34" charset="-128"/>
+              <a:ea typeface="Meiryo" panose="020B0604030504040204" pitchFamily="34" charset="-128"/>
+            </a:endParaRPr>
+          </a:p>
+          <a:p>
+            <a:endParaRPr lang="zh-CN" altLang="en-US" dirty="0"/>
           </a:p>
         </p:txBody>
       </p:sp>
     </p:spTree>
     <p:extLst>
       <p:ext uri="{BB962C8B-B14F-4D97-AF65-F5344CB8AC3E}">
-        <p14:creationId xmlns:p14="http://schemas.microsoft.com/office/powerpoint/2010/main" val="2770064581"/>
+        <p14:creationId xmlns:p14="http://schemas.microsoft.com/office/powerpoint/2010/main" val="3479382752"/>
       </p:ext>
     </p:extLst>
   </p:cSld>
@@ -7881,62 +8356,127 @@
         </p:nvSpPr>
         <p:spPr/>
         <p:txBody>
+          <a:bodyPr>
+            <a:normAutofit/>
+          </a:bodyPr>
+          <a:lstStyle/>
+          <a:p>
+            <a:r>
+              <a:rPr lang="ja-JP" altLang="en-US" dirty="0"/>
+              <a:t>勉強会テーマ紹介</a:t>
+            </a:r>
+            <a:r>
+              <a:rPr lang="en-US" altLang="ja-JP" dirty="0" smtClean="0"/>
+              <a:t/>
+            </a:r>
+            <a:br>
+              <a:rPr lang="en-US" altLang="ja-JP" dirty="0" smtClean="0"/>
+            </a:br>
+            <a:r>
+              <a:rPr lang="ja-JP" altLang="en-US" sz="2400" dirty="0" smtClean="0"/>
+              <a:t>ＪＰ１（</a:t>
+            </a:r>
+            <a:r>
+              <a:rPr lang="ja-JP" altLang="en-US" sz="2400" dirty="0" smtClean="0"/>
+              <a:t>統</a:t>
+            </a:r>
+            <a:r>
+              <a:rPr lang="ja-JP" altLang="en-US" sz="2400" dirty="0"/>
+              <a:t>合システム運用</a:t>
+            </a:r>
+            <a:r>
+              <a:rPr lang="ja-JP" altLang="en-US" sz="2400" dirty="0" smtClean="0"/>
+              <a:t>管理製品）</a:t>
+            </a:r>
+            <a:endParaRPr lang="en-US" dirty="0"/>
+          </a:p>
+        </p:txBody>
+      </p:sp>
+      <p:sp>
+        <p:nvSpPr>
+          <p:cNvPr id="3" name="内容占位符 2"/>
+          <p:cNvSpPr>
+            <a:spLocks noGrp="1"/>
+          </p:cNvSpPr>
+          <p:nvPr>
+            <p:ph idx="1"/>
+          </p:nvPr>
+        </p:nvSpPr>
+        <p:spPr/>
+        <p:txBody>
           <a:bodyPr/>
           <a:lstStyle/>
           <a:p>
             <a:r>
+              <a:rPr lang="en-US" altLang="ja-JP" dirty="0"/>
+              <a:t>JP1</a:t>
+            </a:r>
+            <a:r>
               <a:rPr lang="ja-JP" altLang="en-US" dirty="0"/>
-              <a:t>勉強</a:t>
+              <a:t>製品の機能についてジョブ管理、統合監視をメインに説明を行い、使用できる機能の理解や業務活用方法を共有することを目的とする勉強会です。製品としては主に自動化のツールとして幅広く使用され、</a:t>
+            </a:r>
+            <a:r>
+              <a:rPr lang="en-US" altLang="ja-JP" dirty="0"/>
+              <a:t>RPA</a:t>
+            </a:r>
+            <a:r>
+              <a:rPr lang="ja-JP" altLang="en-US" dirty="0"/>
+              <a:t>との連動などもできます</a:t>
             </a:r>
             <a:r>
               <a:rPr lang="ja-JP" altLang="en-US" dirty="0" smtClean="0"/>
-              <a:t>会目的</a:t>
-            </a:r>
+              <a:t>。</a:t>
+            </a:r>
+            <a:endParaRPr lang="en-US" altLang="ja-JP" dirty="0" smtClean="0"/>
+          </a:p>
+          <a:p>
             <a:endParaRPr lang="en-US" dirty="0"/>
           </a:p>
-        </p:txBody>
-      </p:sp>
-      <p:sp>
-        <p:nvSpPr>
-          <p:cNvPr id="3" name="内容占位符 2"/>
-          <p:cNvSpPr>
-            <a:spLocks noGrp="1"/>
-          </p:cNvSpPr>
-          <p:nvPr>
-            <p:ph idx="1"/>
-          </p:nvPr>
-        </p:nvSpPr>
-        <p:spPr/>
-        <p:txBody>
-          <a:bodyPr/>
-          <a:lstStyle/>
-          <a:p>
-            <a:r>
-              <a:rPr lang="ja-JP" altLang="en-US" dirty="0"/>
-              <a:t>部員</a:t>
-            </a:r>
-            <a:r>
-              <a:rPr lang="ja-JP" altLang="en-US" dirty="0" smtClean="0"/>
-              <a:t>のスキルアップ</a:t>
-            </a:r>
-            <a:endParaRPr lang="en-US" altLang="ja-JP" dirty="0" smtClean="0"/>
-          </a:p>
-          <a:p>
-            <a:r>
-              <a:rPr lang="ja-JP" altLang="en-US" dirty="0"/>
-              <a:t>部内のコミュニケーションを促進</a:t>
-            </a:r>
-            <a:r>
-              <a:rPr lang="ja-JP" altLang="en-US" dirty="0" smtClean="0"/>
-              <a:t>する</a:t>
-            </a:r>
-            <a:endParaRPr lang="en-US" altLang="ja-JP" dirty="0" smtClean="0"/>
-          </a:p>
-          <a:p>
-            <a:r>
-              <a:rPr lang="ja-JP" altLang="en-US" dirty="0" smtClean="0"/>
-              <a:t>ビジネスチャンスを広げる</a:t>
-            </a:r>
+          <a:p>
+            <a:r>
+              <a:rPr lang="zh-CN" altLang="en-US" dirty="0"/>
+              <a:t>第２、４水曜日　</a:t>
+            </a:r>
+            <a:r>
+              <a:rPr lang="en-US" altLang="zh-CN" dirty="0"/>
+              <a:t>19:00-20:30</a:t>
+            </a:r>
+            <a:r>
+              <a:rPr lang="zh-CN" altLang="en-US" dirty="0"/>
+              <a:t>（休憩</a:t>
+            </a:r>
+            <a:r>
+              <a:rPr lang="en-US" altLang="zh-CN" dirty="0"/>
+              <a:t>10</a:t>
+            </a:r>
+            <a:r>
+              <a:rPr lang="zh-CN" altLang="en-US" dirty="0"/>
+              <a:t>分）</a:t>
+            </a:r>
+          </a:p>
+          <a:p>
+            <a:r>
+              <a:rPr lang="zh-CN" altLang="en-US" dirty="0"/>
+              <a:t>初回：</a:t>
+            </a:r>
+            <a:r>
+              <a:rPr lang="en-US" altLang="zh-CN" dirty="0"/>
+              <a:t>2</a:t>
+            </a:r>
+            <a:r>
+              <a:rPr lang="zh-CN" altLang="en-US" dirty="0"/>
+              <a:t>月</a:t>
+            </a:r>
+            <a:r>
+              <a:rPr lang="en-US" altLang="zh-CN" dirty="0"/>
+              <a:t>24</a:t>
+            </a:r>
+            <a:r>
+              <a:rPr lang="zh-CN" altLang="en-US" dirty="0"/>
+              <a:t>日（水）</a:t>
+            </a:r>
+          </a:p>
+          <a:p>
             <a:endParaRPr lang="en-US" dirty="0"/>
           </a:p>
         </p:txBody>
@@ -7944,7 +8484,7 @@
     </p:spTree>
     <p:extLst>
       <p:ext uri="{BB962C8B-B14F-4D97-AF65-F5344CB8AC3E}">
-        <p14:creationId xmlns:p14="http://schemas.microsoft.com/office/powerpoint/2010/main" val="2995343411"/>
+        <p14:creationId xmlns:p14="http://schemas.microsoft.com/office/powerpoint/2010/main" val="2770064581"/>
       </p:ext>
     </p:extLst>
   </p:cSld>
@@ -7987,12 +8527,12 @@
           <a:lstStyle/>
           <a:p>
             <a:r>
-              <a:rPr lang="zh-CN" altLang="en-US" dirty="0" smtClean="0"/>
-              <a:t>参加対象</a:t>
+              <a:rPr lang="ja-JP" altLang="en-US" dirty="0"/>
+              <a:t>勉強</a:t>
             </a:r>
             <a:r>
               <a:rPr lang="ja-JP" altLang="en-US" dirty="0" smtClean="0"/>
-              <a:t>について</a:t>
+              <a:t>会目的</a:t>
             </a:r>
             <a:endParaRPr lang="en-US" dirty="0"/>
           </a:p>
@@ -8000,7 +8540,7 @@
       </p:sp>
       <p:sp>
         <p:nvSpPr>
-          <p:cNvPr id="5" name="内容占位符 4"/>
+          <p:cNvPr id="3" name="内容占位符 2"/>
           <p:cNvSpPr>
             <a:spLocks noGrp="1"/>
           </p:cNvSpPr>
@@ -8014,48 +8554,30 @@
           <a:lstStyle/>
           <a:p>
             <a:r>
-              <a:rPr lang="en-US" b="1" dirty="0" smtClean="0"/>
-              <a:t>1H8S</a:t>
-            </a:r>
-            <a:r>
-              <a:rPr lang="ja-JP" altLang="en-US" b="1" dirty="0" smtClean="0"/>
-              <a:t>部員（勉強会書籍の部費支給対象）</a:t>
-            </a:r>
-            <a:endParaRPr lang="en-US" altLang="ja-JP" b="1" dirty="0" smtClean="0"/>
-          </a:p>
-          <a:p>
-            <a:r>
-              <a:rPr lang="en-US" dirty="0" smtClean="0"/>
-              <a:t>1H8S</a:t>
+              <a:rPr lang="ja-JP" altLang="en-US" dirty="0"/>
+              <a:t>部員</a:t>
             </a:r>
             <a:r>
               <a:rPr lang="ja-JP" altLang="en-US" dirty="0" smtClean="0"/>
-              <a:t>部内</a:t>
-            </a:r>
-            <a:r>
-              <a:rPr lang="en-US" altLang="ja-JP" dirty="0" smtClean="0"/>
-              <a:t>BP</a:t>
-            </a:r>
-          </a:p>
-          <a:p>
+              <a:t>のスキルアップ</a:t>
+            </a:r>
+            <a:endParaRPr lang="en-US" altLang="ja-JP" dirty="0" smtClean="0"/>
+          </a:p>
+          <a:p>
+            <a:r>
+              <a:rPr lang="ja-JP" altLang="en-US" dirty="0"/>
+              <a:t>部内のコミュニケーションを促進</a:t>
+            </a:r>
             <a:r>
               <a:rPr lang="ja-JP" altLang="en-US" dirty="0" smtClean="0"/>
-              <a:t>ベース他部社員</a:t>
+              <a:t>する</a:t>
             </a:r>
             <a:endParaRPr lang="en-US" altLang="ja-JP" dirty="0" smtClean="0"/>
           </a:p>
           <a:p>
             <a:r>
               <a:rPr lang="ja-JP" altLang="en-US" dirty="0" smtClean="0"/>
-              <a:t>その他（</a:t>
-            </a:r>
-            <a:r>
-              <a:rPr lang="en-US" altLang="ja-JP" dirty="0" smtClean="0"/>
-              <a:t>NRI</a:t>
-            </a:r>
-            <a:r>
-              <a:rPr lang="ja-JP" altLang="en-US" dirty="0" smtClean="0"/>
-              <a:t>顧客など）</a:t>
+              <a:t>ビジネスチャンスを広げる</a:t>
             </a:r>
             <a:endParaRPr lang="en-US" dirty="0"/>
           </a:p>
@@ -8064,7 +8586,7 @@
     </p:spTree>
     <p:extLst>
       <p:ext uri="{BB962C8B-B14F-4D97-AF65-F5344CB8AC3E}">
-        <p14:creationId xmlns:p14="http://schemas.microsoft.com/office/powerpoint/2010/main" val="3740818854"/>
+        <p14:creationId xmlns:p14="http://schemas.microsoft.com/office/powerpoint/2010/main" val="2995343411"/>
       </p:ext>
     </p:extLst>
   </p:cSld>
@@ -8107,8 +8629,12 @@
           <a:lstStyle/>
           <a:p>
             <a:r>
+              <a:rPr lang="zh-CN" altLang="en-US" dirty="0" smtClean="0"/>
+              <a:t>参加対象</a:t>
+            </a:r>
+            <a:r>
               <a:rPr lang="ja-JP" altLang="en-US" dirty="0" smtClean="0"/>
-              <a:t>参加者の採点について</a:t>
+              <a:t>について</a:t>
             </a:r>
             <a:endParaRPr lang="en-US" dirty="0"/>
           </a:p>
@@ -8116,7 +8642,7 @@
       </p:sp>
       <p:sp>
         <p:nvSpPr>
-          <p:cNvPr id="3" name="内容占位符 2"/>
+          <p:cNvPr id="5" name="内容占位符 4"/>
           <p:cNvSpPr>
             <a:spLocks noGrp="1"/>
           </p:cNvSpPr>
@@ -8130,112 +8656,57 @@
           <a:lstStyle/>
           <a:p>
             <a:r>
+              <a:rPr lang="en-US" b="1" dirty="0" smtClean="0"/>
+              <a:t>1H8S</a:t>
+            </a:r>
+            <a:r>
+              <a:rPr lang="ja-JP" altLang="en-US" b="1" dirty="0" smtClean="0"/>
+              <a:t>部員（勉強会書籍の部費支給対象）</a:t>
+            </a:r>
+            <a:endParaRPr lang="en-US" altLang="ja-JP" b="1" dirty="0" smtClean="0"/>
+          </a:p>
+          <a:p>
+            <a:r>
+              <a:rPr lang="en-US" dirty="0" smtClean="0"/>
+              <a:t>1H8S</a:t>
+            </a:r>
+            <a:r>
               <a:rPr lang="ja-JP" altLang="en-US" dirty="0" smtClean="0"/>
-              <a:t>出席採点</a:t>
-            </a:r>
-          </a:p>
-          <a:p>
-            <a:pPr lvl="1"/>
+              <a:t>部内</a:t>
+            </a:r>
             <a:r>
               <a:rPr lang="en-US" altLang="ja-JP" dirty="0" smtClean="0"/>
-              <a:t>ZOOM</a:t>
-            </a:r>
+              <a:t>BP</a:t>
+            </a:r>
+          </a:p>
+          <a:p>
             <a:r>
               <a:rPr lang="ja-JP" altLang="en-US" dirty="0" smtClean="0"/>
-              <a:t>参加時は</a:t>
-            </a:r>
-            <a:r>
-              <a:rPr lang="ja-JP" altLang="en-US" sz="2400" b="1" dirty="0" smtClean="0">
-                <a:solidFill>
-                  <a:srgbClr val="FF0000"/>
-                </a:solidFill>
-              </a:rPr>
-              <a:t>本名</a:t>
-            </a:r>
+              <a:t>ベース他部社員</a:t>
+            </a:r>
+            <a:endParaRPr lang="en-US" altLang="ja-JP" dirty="0" smtClean="0"/>
+          </a:p>
+          <a:p>
             <a:r>
               <a:rPr lang="ja-JP" altLang="en-US" dirty="0" smtClean="0"/>
-              <a:t>でお願いします。</a:t>
-            </a:r>
-          </a:p>
-          <a:p>
-            <a:endParaRPr lang="en-US" altLang="ja-JP" dirty="0" smtClean="0"/>
-          </a:p>
-          <a:p>
+              <a:t>その他（</a:t>
+            </a:r>
+            <a:r>
+              <a:rPr lang="en-US" altLang="ja-JP" dirty="0" smtClean="0"/>
+              <a:t>NRI</a:t>
+            </a:r>
             <a:r>
               <a:rPr lang="ja-JP" altLang="en-US" dirty="0" smtClean="0"/>
-              <a:t>付加採点（勉強会主催者に任せる）</a:t>
-            </a:r>
-          </a:p>
-          <a:p>
-            <a:pPr lvl="1"/>
-            <a:r>
-              <a:rPr lang="ja-JP" altLang="en-US" dirty="0" smtClean="0"/>
-              <a:t>例：宿題、プロジェクト、試験など</a:t>
-            </a:r>
-          </a:p>
-          <a:p>
-            <a:endParaRPr lang="en-US" altLang="ja-JP" dirty="0" smtClean="0"/>
-          </a:p>
-        </p:txBody>
-      </p:sp>
-      <p:sp>
-        <p:nvSpPr>
-          <p:cNvPr id="4" name="矩形 3"/>
-          <p:cNvSpPr/>
-          <p:nvPr/>
-        </p:nvSpPr>
-        <p:spPr>
-          <a:xfrm>
-            <a:off x="974955" y="4771836"/>
-            <a:ext cx="9973622" cy="914400"/>
-          </a:xfrm>
-          <a:prstGeom prst="rect">
-            <a:avLst/>
-          </a:prstGeom>
-        </p:spPr>
-        <p:style>
-          <a:lnRef idx="0">
-            <a:schemeClr val="accent5"/>
-          </a:lnRef>
-          <a:fillRef idx="3">
-            <a:schemeClr val="accent5"/>
-          </a:fillRef>
-          <a:effectRef idx="3">
-            <a:schemeClr val="accent5"/>
-          </a:effectRef>
-          <a:fontRef idx="minor">
-            <a:schemeClr val="lt1"/>
-          </a:fontRef>
-        </p:style>
-        <p:txBody>
-          <a:bodyPr rtlCol="0" anchor="ctr"/>
-          <a:lstStyle/>
-          <a:p>
-            <a:pPr algn="ctr"/>
-            <a:r>
-              <a:rPr lang="ja-JP" altLang="en-US" sz="2800" dirty="0" smtClean="0"/>
-              <a:t>出席採点＋付加採点　→　年末評価時の</a:t>
-            </a:r>
-            <a:r>
-              <a:rPr lang="ja-JP" altLang="en-US" sz="2800" b="1" dirty="0" smtClean="0">
-                <a:solidFill>
-                  <a:srgbClr val="FF0000"/>
-                </a:solidFill>
-              </a:rPr>
-              <a:t>加点材料</a:t>
-            </a:r>
-            <a:r>
-              <a:rPr lang="ja-JP" altLang="en-US" sz="2800" dirty="0" smtClean="0"/>
-              <a:t>となる</a:t>
-            </a:r>
-            <a:endParaRPr lang="en-US" sz="2800" dirty="0" smtClean="0"/>
+              <a:t>顧客など）</a:t>
+            </a:r>
+            <a:endParaRPr lang="en-US" dirty="0"/>
           </a:p>
         </p:txBody>
       </p:sp>
     </p:spTree>
     <p:extLst>
       <p:ext uri="{BB962C8B-B14F-4D97-AF65-F5344CB8AC3E}">
-        <p14:creationId xmlns:p14="http://schemas.microsoft.com/office/powerpoint/2010/main" val="4071393507"/>
+        <p14:creationId xmlns:p14="http://schemas.microsoft.com/office/powerpoint/2010/main" val="3740818854"/>
       </p:ext>
     </p:extLst>
   </p:cSld>

--- a/010_事前準備/030_部会説明/20210212_勉強会説明.pptx
+++ b/010_事前準備/030_部会説明/20210212_勉強会説明.pptx
@@ -6,13 +6,13 @@
   </p:sldMasterIdLst>
   <p:sldIdLst>
     <p:sldId id="256" r:id="rId2"/>
-    <p:sldId id="265" r:id="rId3"/>
-    <p:sldId id="262" r:id="rId4"/>
+    <p:sldId id="264" r:id="rId3"/>
+    <p:sldId id="265" r:id="rId4"/>
     <p:sldId id="266" r:id="rId5"/>
     <p:sldId id="267" r:id="rId6"/>
     <p:sldId id="269" r:id="rId7"/>
     <p:sldId id="268" r:id="rId8"/>
-    <p:sldId id="264" r:id="rId9"/>
+    <p:sldId id="262" r:id="rId9"/>
     <p:sldId id="263" r:id="rId10"/>
     <p:sldId id="260" r:id="rId11"/>
     <p:sldId id="258" r:id="rId12"/>
@@ -5917,6 +5917,13 @@
   <p:clrMapOvr>
     <a:masterClrMapping/>
   </p:clrMapOvr>
+  <p:timing>
+    <p:tnLst>
+      <p:par>
+        <p:cTn id="1" dur="indefinite" restart="never" nodeType="tmRoot"/>
+      </p:par>
+    </p:tnLst>
+  </p:timing>
 </p:sld>
 </file>
 
@@ -6009,23 +6016,15 @@
           <a:p>
             <a:r>
               <a:rPr lang="ja-JP" altLang="en-US" dirty="0" smtClean="0"/>
-              <a:t>付加採</a:t>
-            </a:r>
+              <a:t>付加採点</a:t>
+            </a:r>
+            <a:endParaRPr lang="en-US" altLang="ja-JP" dirty="0" smtClean="0"/>
+          </a:p>
+          <a:p>
+            <a:pPr lvl="1"/>
             <a:r>
               <a:rPr lang="ja-JP" altLang="en-US" dirty="0" smtClean="0"/>
-              <a:t>点</a:t>
-            </a:r>
-            <a:endParaRPr lang="en-US" altLang="ja-JP" dirty="0" smtClean="0"/>
-          </a:p>
-          <a:p>
-            <a:pPr lvl="1"/>
-            <a:r>
-              <a:rPr lang="ja-JP" altLang="en-US" dirty="0" smtClean="0"/>
-              <a:t>例</a:t>
-            </a:r>
-            <a:r>
-              <a:rPr lang="ja-JP" altLang="en-US" dirty="0" smtClean="0"/>
-              <a:t>：宿題、プロジェクト、試験</a:t>
+              <a:t>例：宿題、プロジェクト、試験</a:t>
             </a:r>
             <a:r>
               <a:rPr lang="ja-JP" altLang="en-US" dirty="0"/>
@@ -6148,7 +6147,15 @@
           <a:p>
             <a:r>
               <a:rPr lang="ja-JP" altLang="en-US" dirty="0" smtClean="0"/>
-              <a:t>資料共有場所</a:t>
+              <a:t>資</a:t>
+            </a:r>
+            <a:r>
+              <a:rPr lang="ja-JP" altLang="en-US" dirty="0" smtClean="0"/>
+              <a:t>料の共有</a:t>
+            </a:r>
+            <a:r>
+              <a:rPr lang="ja-JP" altLang="en-US" dirty="0" smtClean="0"/>
+              <a:t>場所</a:t>
             </a:r>
             <a:endParaRPr lang="en-US" dirty="0"/>
           </a:p>
@@ -6196,15 +6203,7 @@
             </a:r>
             <a:r>
               <a:rPr lang="ja-JP" altLang="en-US" dirty="0" smtClean="0"/>
-              <a:t>：勉</a:t>
-            </a:r>
-            <a:r>
-              <a:rPr lang="ja-JP" altLang="en-US" dirty="0" smtClean="0"/>
-              <a:t>強会／各テーマフォルダ配</a:t>
-            </a:r>
-            <a:r>
-              <a:rPr lang="ja-JP" altLang="en-US" dirty="0" smtClean="0"/>
-              <a:t>下</a:t>
+              <a:t>：勉強会／各テーマフォルダ配下</a:t>
             </a:r>
             <a:endParaRPr lang="en-US" altLang="ja-JP" dirty="0" smtClean="0"/>
           </a:p>
@@ -6748,7 +6747,11 @@
             </a:r>
             <a:r>
               <a:rPr lang="ja-JP" altLang="en-US" sz="2800" dirty="0" smtClean="0"/>
-              <a:t>さんのお申込みをお待ちしております。</a:t>
+              <a:t>さんのお申込みをお待ちしております</a:t>
+            </a:r>
+            <a:r>
+              <a:rPr lang="ja-JP" altLang="en-US" sz="2800" dirty="0" smtClean="0"/>
+              <a:t>。（複数参加可）</a:t>
             </a:r>
             <a:endParaRPr lang="en-US" sz="2800" dirty="0" smtClean="0"/>
           </a:p>
@@ -6800,16 +6803,110 @@
           <a:lstStyle/>
           <a:p>
             <a:r>
+              <a:rPr lang="ja-JP" altLang="en-US" dirty="0"/>
+              <a:t>勉強</a:t>
+            </a:r>
+            <a:r>
               <a:rPr lang="ja-JP" altLang="en-US" dirty="0" smtClean="0"/>
-              <a:t>勉強</a:t>
+              <a:t>会目的</a:t>
+            </a:r>
+            <a:endParaRPr lang="en-US" dirty="0"/>
+          </a:p>
+        </p:txBody>
+      </p:sp>
+      <p:sp>
+        <p:nvSpPr>
+          <p:cNvPr id="3" name="内容占位符 2"/>
+          <p:cNvSpPr>
+            <a:spLocks noGrp="1"/>
+          </p:cNvSpPr>
+          <p:nvPr>
+            <p:ph idx="1"/>
+          </p:nvPr>
+        </p:nvSpPr>
+        <p:spPr/>
+        <p:txBody>
+          <a:bodyPr/>
+          <a:lstStyle/>
+          <a:p>
+            <a:r>
+              <a:rPr lang="ja-JP" altLang="en-US" dirty="0"/>
+              <a:t>部員</a:t>
             </a:r>
             <a:r>
               <a:rPr lang="ja-JP" altLang="en-US" dirty="0" smtClean="0"/>
-              <a:t>会のテ</a:t>
+              <a:t>のスキルアップ</a:t>
+            </a:r>
+            <a:endParaRPr lang="en-US" altLang="ja-JP" dirty="0" smtClean="0"/>
+          </a:p>
+          <a:p>
+            <a:r>
+              <a:rPr lang="ja-JP" altLang="en-US" dirty="0"/>
+              <a:t>部内のコミュニケーションを促進</a:t>
             </a:r>
             <a:r>
               <a:rPr lang="ja-JP" altLang="en-US" dirty="0" smtClean="0"/>
-              <a:t>ーマと日程</a:t>
+              <a:t>する</a:t>
+            </a:r>
+            <a:endParaRPr lang="en-US" altLang="ja-JP" dirty="0" smtClean="0"/>
+          </a:p>
+          <a:p>
+            <a:r>
+              <a:rPr lang="ja-JP" altLang="en-US" dirty="0" smtClean="0"/>
+              <a:t>ビジネスチャンスを広げる</a:t>
+            </a:r>
+            <a:endParaRPr lang="en-US" dirty="0"/>
+          </a:p>
+        </p:txBody>
+      </p:sp>
+    </p:spTree>
+    <p:extLst>
+      <p:ext uri="{BB962C8B-B14F-4D97-AF65-F5344CB8AC3E}">
+        <p14:creationId xmlns:p14="http://schemas.microsoft.com/office/powerpoint/2010/main" val="2995343411"/>
+      </p:ext>
+    </p:extLst>
+  </p:cSld>
+  <p:clrMapOvr>
+    <a:masterClrMapping/>
+  </p:clrMapOvr>
+</p:sld>
+</file>
+
+<file path=ppt/slides/slide3.xml><?xml version="1.0" encoding="utf-8"?>
+<p:sld xmlns:a="http://schemas.openxmlformats.org/drawingml/2006/main" xmlns:r="http://schemas.openxmlformats.org/officeDocument/2006/relationships" xmlns:p="http://schemas.openxmlformats.org/presentationml/2006/main">
+  <p:cSld>
+    <p:spTree>
+      <p:nvGrpSpPr>
+        <p:cNvPr id="1" name=""/>
+        <p:cNvGrpSpPr/>
+        <p:nvPr/>
+      </p:nvGrpSpPr>
+      <p:grpSpPr>
+        <a:xfrm>
+          <a:off x="0" y="0"/>
+          <a:ext cx="0" cy="0"/>
+          <a:chOff x="0" y="0"/>
+          <a:chExt cx="0" cy="0"/>
+        </a:xfrm>
+      </p:grpSpPr>
+      <p:sp>
+        <p:nvSpPr>
+          <p:cNvPr id="2" name="标题 1"/>
+          <p:cNvSpPr>
+            <a:spLocks noGrp="1"/>
+          </p:cNvSpPr>
+          <p:nvPr>
+            <p:ph type="title"/>
+          </p:nvPr>
+        </p:nvSpPr>
+        <p:spPr/>
+        <p:txBody>
+          <a:bodyPr/>
+          <a:lstStyle/>
+          <a:p>
+            <a:r>
+              <a:rPr lang="ja-JP" altLang="en-US" dirty="0" smtClean="0"/>
+              <a:t>勉強会のテーマと日程</a:t>
             </a:r>
             <a:endParaRPr lang="en-US" dirty="0"/>
           </a:p>
@@ -7612,10 +7709,922 @@
   <p:clrMapOvr>
     <a:masterClrMapping/>
   </p:clrMapOvr>
+  <p:timing>
+    <p:tnLst>
+      <p:par>
+        <p:cTn id="1" dur="indefinite" restart="never" nodeType="tmRoot"/>
+      </p:par>
+    </p:tnLst>
+  </p:timing>
 </p:sld>
 </file>
 
-<file path=ppt/slides/slide3.xml><?xml version="1.0" encoding="utf-8"?>
+<file path=ppt/slides/slide4.xml><?xml version="1.0" encoding="utf-8"?>
+<p:sld xmlns:a="http://schemas.openxmlformats.org/drawingml/2006/main" xmlns:r="http://schemas.openxmlformats.org/officeDocument/2006/relationships" xmlns:p="http://schemas.openxmlformats.org/presentationml/2006/main">
+  <p:cSld>
+    <p:spTree>
+      <p:nvGrpSpPr>
+        <p:cNvPr id="1" name=""/>
+        <p:cNvGrpSpPr/>
+        <p:nvPr/>
+      </p:nvGrpSpPr>
+      <p:grpSpPr>
+        <a:xfrm>
+          <a:off x="0" y="0"/>
+          <a:ext cx="0" cy="0"/>
+          <a:chOff x="0" y="0"/>
+          <a:chExt cx="0" cy="0"/>
+        </a:xfrm>
+      </p:grpSpPr>
+      <p:sp>
+        <p:nvSpPr>
+          <p:cNvPr id="2" name="标题 1"/>
+          <p:cNvSpPr>
+            <a:spLocks noGrp="1"/>
+          </p:cNvSpPr>
+          <p:nvPr>
+            <p:ph type="title"/>
+          </p:nvPr>
+        </p:nvSpPr>
+        <p:spPr/>
+        <p:txBody>
+          <a:bodyPr>
+            <a:normAutofit/>
+          </a:bodyPr>
+          <a:lstStyle/>
+          <a:p>
+            <a:r>
+              <a:rPr lang="ja-JP" altLang="en-US" dirty="0"/>
+              <a:t>勉強会テーマ紹介</a:t>
+            </a:r>
+            <a:r>
+              <a:rPr lang="en-US" altLang="ja-JP" dirty="0" smtClean="0"/>
+              <a:t/>
+            </a:r>
+            <a:br>
+              <a:rPr lang="en-US" altLang="ja-JP" dirty="0" smtClean="0"/>
+            </a:br>
+            <a:r>
+              <a:rPr lang="ja-JP" altLang="en-US" sz="2400" dirty="0" smtClean="0"/>
+              <a:t>ＲＰＡ（</a:t>
+            </a:r>
+            <a:r>
+              <a:rPr lang="en-US" altLang="ja-JP" sz="2400" dirty="0"/>
+              <a:t>Robotic Process </a:t>
+            </a:r>
+            <a:r>
+              <a:rPr lang="en-US" altLang="ja-JP" sz="2400" dirty="0" smtClean="0"/>
+              <a:t>Automation</a:t>
+            </a:r>
+            <a:r>
+              <a:rPr lang="ja-JP" altLang="en-US" sz="2400" dirty="0" smtClean="0"/>
+              <a:t>）</a:t>
+            </a:r>
+            <a:endParaRPr lang="en-US" dirty="0"/>
+          </a:p>
+        </p:txBody>
+      </p:sp>
+      <p:sp>
+        <p:nvSpPr>
+          <p:cNvPr id="3" name="内容占位符 2"/>
+          <p:cNvSpPr>
+            <a:spLocks noGrp="1"/>
+          </p:cNvSpPr>
+          <p:nvPr>
+            <p:ph idx="1"/>
+          </p:nvPr>
+        </p:nvSpPr>
+        <p:spPr/>
+        <p:txBody>
+          <a:bodyPr/>
+          <a:lstStyle/>
+          <a:p>
+            <a:r>
+              <a:rPr lang="ja-JP" altLang="en-US" dirty="0" smtClean="0"/>
+              <a:t>ＲＰＡとは</a:t>
+            </a:r>
+            <a:r>
+              <a:rPr lang="ja-JP" altLang="en-US" dirty="0"/>
+              <a:t>「</a:t>
+            </a:r>
+            <a:r>
+              <a:rPr lang="en-US" altLang="ja-JP" dirty="0"/>
+              <a:t>Robotic Process Automation</a:t>
+            </a:r>
+            <a:r>
+              <a:rPr lang="ja-JP" altLang="en-US" dirty="0"/>
+              <a:t>」の略語で</a:t>
+            </a:r>
+            <a:r>
+              <a:rPr lang="ja-JP" altLang="en-US" dirty="0" smtClean="0"/>
+              <a:t>、</a:t>
+            </a:r>
+            <a:r>
+              <a:rPr lang="en-US" altLang="ja-JP" dirty="0" smtClean="0"/>
+              <a:t>PC</a:t>
+            </a:r>
+            <a:r>
+              <a:rPr lang="ja-JP" altLang="en-US" dirty="0"/>
+              <a:t>などを用いて行っている一連の作業を自動化できる「ソフトウェアロボット」のことである</a:t>
+            </a:r>
+            <a:r>
+              <a:rPr lang="ja-JP" altLang="en-US" dirty="0" smtClean="0"/>
+              <a:t>。本勉強会では、主</a:t>
+            </a:r>
+            <a:r>
+              <a:rPr lang="ja-JP" altLang="en-US" dirty="0"/>
+              <a:t>に</a:t>
+            </a:r>
+            <a:r>
+              <a:rPr lang="en-US" altLang="ja-JP" dirty="0" err="1" smtClean="0"/>
+              <a:t>UiPath</a:t>
+            </a:r>
+            <a:r>
+              <a:rPr lang="ja-JP" altLang="en-US" dirty="0" smtClean="0"/>
+              <a:t>を利用して、ＲＰＡの知</a:t>
+            </a:r>
+            <a:r>
+              <a:rPr lang="ja-JP" altLang="en-US" dirty="0"/>
+              <a:t>識を共有しながら</a:t>
+            </a:r>
+            <a:r>
+              <a:rPr lang="ja-JP" altLang="en-US" dirty="0" smtClean="0"/>
+              <a:t>、業</a:t>
+            </a:r>
+            <a:r>
+              <a:rPr lang="ja-JP" altLang="en-US" dirty="0"/>
+              <a:t>務自動化に関する様々な情報を参加者同士で楽しく交換し合える勉強会です</a:t>
+            </a:r>
+            <a:r>
+              <a:rPr lang="ja-JP" altLang="en-US" dirty="0" smtClean="0"/>
+              <a:t>。</a:t>
+            </a:r>
+            <a:endParaRPr lang="en-US" altLang="ja-JP" dirty="0" smtClean="0"/>
+          </a:p>
+          <a:p>
+            <a:endParaRPr lang="en-US" dirty="0" smtClean="0"/>
+          </a:p>
+          <a:p>
+            <a:r>
+              <a:rPr lang="ja-JP" altLang="en-US" dirty="0" smtClean="0"/>
+              <a:t>主催者：</a:t>
+            </a:r>
+            <a:r>
+              <a:rPr lang="zh-CN" altLang="en-US" dirty="0" smtClean="0">
+                <a:latin typeface="Meiryo" panose="020B0604030504040204" pitchFamily="34" charset="-128"/>
+                <a:ea typeface="Meiryo" panose="020B0604030504040204" pitchFamily="34" charset="-128"/>
+              </a:rPr>
+              <a:t>黄蔚菁</a:t>
+            </a:r>
+            <a:endParaRPr lang="en-US" dirty="0"/>
+          </a:p>
+          <a:p>
+            <a:r>
+              <a:rPr lang="zh-CN" altLang="en-US" dirty="0"/>
+              <a:t>第１、３木曜日　</a:t>
+            </a:r>
+            <a:r>
+              <a:rPr lang="en-US" altLang="zh-CN" dirty="0"/>
+              <a:t>19:00-20:30</a:t>
+            </a:r>
+            <a:r>
+              <a:rPr lang="zh-CN" altLang="en-US" dirty="0"/>
+              <a:t>（休憩</a:t>
+            </a:r>
+            <a:r>
+              <a:rPr lang="en-US" altLang="zh-CN" dirty="0"/>
+              <a:t>10</a:t>
+            </a:r>
+            <a:r>
+              <a:rPr lang="zh-CN" altLang="en-US" dirty="0"/>
+              <a:t>分）</a:t>
+            </a:r>
+          </a:p>
+          <a:p>
+            <a:r>
+              <a:rPr lang="zh-CN" altLang="en-US" dirty="0"/>
+              <a:t>初回：</a:t>
+            </a:r>
+            <a:r>
+              <a:rPr lang="en-US" altLang="zh-CN" dirty="0"/>
+              <a:t>2</a:t>
+            </a:r>
+            <a:r>
+              <a:rPr lang="zh-CN" altLang="en-US" dirty="0"/>
+              <a:t>月</a:t>
+            </a:r>
+            <a:r>
+              <a:rPr lang="en-US" altLang="zh-CN" dirty="0"/>
+              <a:t>18</a:t>
+            </a:r>
+            <a:r>
+              <a:rPr lang="zh-CN" altLang="en-US" dirty="0"/>
+              <a:t>日（木）</a:t>
+            </a:r>
+          </a:p>
+          <a:p>
+            <a:endParaRPr lang="en-US" dirty="0"/>
+          </a:p>
+        </p:txBody>
+      </p:sp>
+    </p:spTree>
+    <p:extLst>
+      <p:ext uri="{BB962C8B-B14F-4D97-AF65-F5344CB8AC3E}">
+        <p14:creationId xmlns:p14="http://schemas.microsoft.com/office/powerpoint/2010/main" val="1518356628"/>
+      </p:ext>
+    </p:extLst>
+  </p:cSld>
+  <p:clrMapOvr>
+    <a:masterClrMapping/>
+  </p:clrMapOvr>
+  <p:timing>
+    <p:tnLst>
+      <p:par>
+        <p:cTn id="1" dur="indefinite" restart="never" nodeType="tmRoot"/>
+      </p:par>
+    </p:tnLst>
+  </p:timing>
+</p:sld>
+</file>
+
+<file path=ppt/slides/slide5.xml><?xml version="1.0" encoding="utf-8"?>
+<p:sld xmlns:a="http://schemas.openxmlformats.org/drawingml/2006/main" xmlns:r="http://schemas.openxmlformats.org/officeDocument/2006/relationships" xmlns:p="http://schemas.openxmlformats.org/presentationml/2006/main">
+  <p:cSld>
+    <p:spTree>
+      <p:nvGrpSpPr>
+        <p:cNvPr id="1" name=""/>
+        <p:cNvGrpSpPr/>
+        <p:nvPr/>
+      </p:nvGrpSpPr>
+      <p:grpSpPr>
+        <a:xfrm>
+          <a:off x="0" y="0"/>
+          <a:ext cx="0" cy="0"/>
+          <a:chOff x="0" y="0"/>
+          <a:chExt cx="0" cy="0"/>
+        </a:xfrm>
+      </p:grpSpPr>
+      <p:sp>
+        <p:nvSpPr>
+          <p:cNvPr id="2" name="标题 1"/>
+          <p:cNvSpPr>
+            <a:spLocks noGrp="1"/>
+          </p:cNvSpPr>
+          <p:nvPr>
+            <p:ph type="title"/>
+          </p:nvPr>
+        </p:nvSpPr>
+        <p:spPr/>
+        <p:txBody>
+          <a:bodyPr>
+            <a:normAutofit/>
+          </a:bodyPr>
+          <a:lstStyle/>
+          <a:p>
+            <a:r>
+              <a:rPr lang="ja-JP" altLang="en-US" dirty="0"/>
+              <a:t>勉強会テーマ紹介</a:t>
+            </a:r>
+            <a:r>
+              <a:rPr lang="en-US" sz="2400" dirty="0" smtClean="0"/>
+              <a:t/>
+            </a:r>
+            <a:br>
+              <a:rPr lang="en-US" sz="2400" dirty="0" smtClean="0"/>
+            </a:br>
+            <a:r>
+              <a:rPr lang="ja-JP" altLang="en-US" sz="2400" dirty="0" smtClean="0"/>
+              <a:t>ＰＭ（</a:t>
+            </a:r>
+            <a:r>
+              <a:rPr lang="en-US" altLang="ja-JP" sz="2400" dirty="0"/>
+              <a:t>Project Management</a:t>
+            </a:r>
+            <a:r>
+              <a:rPr lang="ja-JP" altLang="en-US" sz="2400" dirty="0"/>
+              <a:t>：プロジェクト</a:t>
+            </a:r>
+            <a:r>
+              <a:rPr lang="ja-JP" altLang="en-US" sz="2400" dirty="0" smtClean="0"/>
+              <a:t>管理）</a:t>
+            </a:r>
+            <a:endParaRPr lang="zh-CN" altLang="en-US" sz="2400" dirty="0"/>
+          </a:p>
+        </p:txBody>
+      </p:sp>
+      <p:sp>
+        <p:nvSpPr>
+          <p:cNvPr id="3" name="内容占位符 2"/>
+          <p:cNvSpPr>
+            <a:spLocks noGrp="1"/>
+          </p:cNvSpPr>
+          <p:nvPr>
+            <p:ph idx="1"/>
+          </p:nvPr>
+        </p:nvSpPr>
+        <p:spPr/>
+        <p:txBody>
+          <a:bodyPr/>
+          <a:lstStyle/>
+          <a:p>
+            <a:r>
+              <a:rPr lang="ja-JP" altLang="en-US" dirty="0"/>
+              <a:t>ディスカッションを中心に管理能力向上の勉強会です</a:t>
+            </a:r>
+            <a:r>
+              <a:rPr lang="ja-JP" altLang="en-US" dirty="0" smtClean="0"/>
+              <a:t>。第</a:t>
+            </a:r>
+            <a:r>
+              <a:rPr lang="en-US" altLang="ja-JP" dirty="0" smtClean="0"/>
+              <a:t>1</a:t>
+            </a:r>
+            <a:r>
+              <a:rPr lang="ja-JP" altLang="en-US" dirty="0"/>
+              <a:t>回目は、参加者の向上させたい管理能力を確認を行う予定です。</a:t>
+            </a:r>
+          </a:p>
+          <a:p>
+            <a:endParaRPr lang="en-US" dirty="0" smtClean="0"/>
+          </a:p>
+          <a:p>
+            <a:r>
+              <a:rPr lang="ja-JP" altLang="en-US" dirty="0"/>
+              <a:t>主催</a:t>
+            </a:r>
+            <a:r>
+              <a:rPr lang="ja-JP" altLang="en-US" dirty="0" smtClean="0"/>
+              <a:t>者：</a:t>
+            </a:r>
+            <a:r>
+              <a:rPr lang="ja-JP" altLang="en-US" dirty="0">
+                <a:latin typeface="Meiryo" panose="020B0604030504040204" pitchFamily="34" charset="-128"/>
+                <a:ea typeface="Meiryo" panose="020B0604030504040204" pitchFamily="34" charset="-128"/>
+              </a:rPr>
+              <a:t>渡部義</a:t>
+            </a:r>
+            <a:r>
+              <a:rPr lang="ja-JP" altLang="en-US" dirty="0" smtClean="0">
+                <a:latin typeface="Meiryo" panose="020B0604030504040204" pitchFamily="34" charset="-128"/>
+                <a:ea typeface="Meiryo" panose="020B0604030504040204" pitchFamily="34" charset="-128"/>
+              </a:rPr>
+              <a:t>隆</a:t>
+            </a:r>
+            <a:endParaRPr lang="en-US" dirty="0" smtClean="0"/>
+          </a:p>
+          <a:p>
+            <a:r>
+              <a:rPr lang="zh-CN" altLang="en-US" dirty="0"/>
+              <a:t>第１、３水曜日　</a:t>
+            </a:r>
+            <a:r>
+              <a:rPr lang="en-US" altLang="zh-CN" dirty="0"/>
+              <a:t>19:00-20:30</a:t>
+            </a:r>
+            <a:r>
+              <a:rPr lang="zh-CN" altLang="en-US" dirty="0"/>
+              <a:t>（休憩</a:t>
+            </a:r>
+            <a:r>
+              <a:rPr lang="en-US" altLang="zh-CN" dirty="0"/>
+              <a:t>10</a:t>
+            </a:r>
+            <a:r>
+              <a:rPr lang="zh-CN" altLang="en-US" dirty="0"/>
+              <a:t>分）</a:t>
+            </a:r>
+          </a:p>
+          <a:p>
+            <a:r>
+              <a:rPr lang="zh-CN" altLang="en-US" dirty="0"/>
+              <a:t>初回：</a:t>
+            </a:r>
+            <a:r>
+              <a:rPr lang="en-US" altLang="zh-CN" dirty="0"/>
+              <a:t>2</a:t>
+            </a:r>
+            <a:r>
+              <a:rPr lang="zh-CN" altLang="en-US" dirty="0"/>
+              <a:t>月</a:t>
+            </a:r>
+            <a:r>
+              <a:rPr lang="en-US" altLang="zh-CN" dirty="0"/>
+              <a:t>17</a:t>
+            </a:r>
+            <a:r>
+              <a:rPr lang="zh-CN" altLang="en-US" dirty="0"/>
+              <a:t>日（水）</a:t>
+            </a:r>
+          </a:p>
+          <a:p>
+            <a:endParaRPr lang="en-US" dirty="0"/>
+          </a:p>
+        </p:txBody>
+      </p:sp>
+    </p:spTree>
+    <p:extLst>
+      <p:ext uri="{BB962C8B-B14F-4D97-AF65-F5344CB8AC3E}">
+        <p14:creationId xmlns:p14="http://schemas.microsoft.com/office/powerpoint/2010/main" val="2993616479"/>
+      </p:ext>
+    </p:extLst>
+  </p:cSld>
+  <p:clrMapOvr>
+    <a:masterClrMapping/>
+  </p:clrMapOvr>
+  <p:timing>
+    <p:tnLst>
+      <p:par>
+        <p:cTn id="1" dur="indefinite" restart="never" nodeType="tmRoot"/>
+      </p:par>
+    </p:tnLst>
+  </p:timing>
+</p:sld>
+</file>
+
+<file path=ppt/slides/slide6.xml><?xml version="1.0" encoding="utf-8"?>
+<p:sld xmlns:a="http://schemas.openxmlformats.org/drawingml/2006/main" xmlns:r="http://schemas.openxmlformats.org/officeDocument/2006/relationships" xmlns:p="http://schemas.openxmlformats.org/presentationml/2006/main">
+  <p:cSld>
+    <p:spTree>
+      <p:nvGrpSpPr>
+        <p:cNvPr id="1" name=""/>
+        <p:cNvGrpSpPr/>
+        <p:nvPr/>
+      </p:nvGrpSpPr>
+      <p:grpSpPr>
+        <a:xfrm>
+          <a:off x="0" y="0"/>
+          <a:ext cx="0" cy="0"/>
+          <a:chOff x="0" y="0"/>
+          <a:chExt cx="0" cy="0"/>
+        </a:xfrm>
+      </p:grpSpPr>
+      <p:sp>
+        <p:nvSpPr>
+          <p:cNvPr id="2" name="标题 1"/>
+          <p:cNvSpPr>
+            <a:spLocks noGrp="1"/>
+          </p:cNvSpPr>
+          <p:nvPr>
+            <p:ph type="title"/>
+          </p:nvPr>
+        </p:nvSpPr>
+        <p:spPr/>
+        <p:txBody>
+          <a:bodyPr>
+            <a:normAutofit fontScale="90000"/>
+          </a:bodyPr>
+          <a:lstStyle/>
+          <a:p>
+            <a:r>
+              <a:rPr lang="zh-CN" altLang="en-US" sz="4000" dirty="0"/>
+              <a:t>勉強会</a:t>
+            </a:r>
+            <a:r>
+              <a:rPr lang="ja-JP" altLang="en-US" sz="4000" dirty="0"/>
+              <a:t>テーマ</a:t>
+            </a:r>
+            <a:r>
+              <a:rPr lang="zh-CN" altLang="en-US" sz="4000" dirty="0"/>
+              <a:t>紹</a:t>
+            </a:r>
+            <a:r>
+              <a:rPr lang="zh-CN" altLang="en-US" sz="4000" dirty="0" smtClean="0"/>
+              <a:t>介</a:t>
+            </a:r>
+            <a:r>
+              <a:rPr lang="en-US" altLang="zh-CN" dirty="0" smtClean="0"/>
+              <a:t/>
+            </a:r>
+            <a:br>
+              <a:rPr lang="en-US" altLang="zh-CN" dirty="0" smtClean="0"/>
+            </a:br>
+            <a:r>
+              <a:rPr lang="ja-JP" altLang="en-US" sz="2400" dirty="0" smtClean="0"/>
+              <a:t>ＴＯＣ（</a:t>
+            </a:r>
+            <a:r>
+              <a:rPr lang="en-US" altLang="zh-CN" sz="2400" dirty="0" smtClean="0"/>
+              <a:t>Theory </a:t>
+            </a:r>
+            <a:r>
+              <a:rPr lang="en-US" altLang="zh-CN" sz="2400" dirty="0"/>
+              <a:t>Of Constraints</a:t>
+            </a:r>
+            <a:r>
+              <a:rPr lang="zh-CN" altLang="en-US" sz="2400" dirty="0"/>
+              <a:t>：制約条件</a:t>
+            </a:r>
+            <a:r>
+              <a:rPr lang="ja-JP" altLang="en-US" sz="2400" dirty="0"/>
+              <a:t>の</a:t>
+            </a:r>
+            <a:r>
+              <a:rPr lang="zh-CN" altLang="en-US" sz="2400" dirty="0"/>
+              <a:t>理</a:t>
+            </a:r>
+            <a:r>
+              <a:rPr lang="zh-CN" altLang="en-US" sz="2400" dirty="0" smtClean="0"/>
+              <a:t>論</a:t>
+            </a:r>
+            <a:r>
+              <a:rPr lang="ja-JP" altLang="en-US" sz="2400" dirty="0" smtClean="0"/>
+              <a:t>）</a:t>
+            </a:r>
+            <a:r>
+              <a:rPr lang="zh-CN" altLang="en-US" sz="2400" dirty="0"/>
+              <a:t/>
+            </a:r>
+            <a:br>
+              <a:rPr lang="zh-CN" altLang="en-US" sz="2400" dirty="0"/>
+            </a:br>
+            <a:endParaRPr lang="zh-CN" altLang="en-US" sz="2400" dirty="0"/>
+          </a:p>
+        </p:txBody>
+      </p:sp>
+      <p:sp>
+        <p:nvSpPr>
+          <p:cNvPr id="3" name="内容占位符 2"/>
+          <p:cNvSpPr>
+            <a:spLocks noGrp="1"/>
+          </p:cNvSpPr>
+          <p:nvPr>
+            <p:ph idx="1"/>
+          </p:nvPr>
+        </p:nvSpPr>
+        <p:spPr/>
+        <p:txBody>
+          <a:bodyPr/>
+          <a:lstStyle/>
+          <a:p>
+            <a:r>
+              <a:rPr lang="ja-JP" altLang="en-US" dirty="0"/>
+              <a:t>プロジェクト管理や設計、プログラミング、私生活等に幅広く使える論理的思考法、</a:t>
+            </a:r>
+            <a:r>
+              <a:rPr lang="en-US" altLang="ja-JP" dirty="0"/>
+              <a:t>TOC(</a:t>
+            </a:r>
+            <a:r>
+              <a:rPr lang="ja-JP" altLang="en-US" dirty="0"/>
+              <a:t>制約条件の理論</a:t>
+            </a:r>
+            <a:r>
+              <a:rPr lang="en-US" altLang="ja-JP" dirty="0"/>
+              <a:t>)</a:t>
+            </a:r>
+            <a:r>
+              <a:rPr lang="ja-JP" altLang="en-US" dirty="0"/>
+              <a:t>について、理論や実践方法を習得し参加者全員の問題解決力を高めることを目的とする勉強会です</a:t>
+            </a:r>
+            <a:r>
+              <a:rPr lang="ja-JP" altLang="en-US" dirty="0" smtClean="0"/>
+              <a:t>。</a:t>
+            </a:r>
+            <a:endParaRPr lang="en-US" altLang="ja-JP" dirty="0"/>
+          </a:p>
+          <a:p>
+            <a:endParaRPr lang="en-US" altLang="ja-JP" dirty="0" smtClean="0">
+              <a:latin typeface="Meiryo" panose="020B0604030504040204" pitchFamily="34" charset="-128"/>
+              <a:ea typeface="Meiryo" panose="020B0604030504040204" pitchFamily="34" charset="-128"/>
+            </a:endParaRPr>
+          </a:p>
+          <a:p>
+            <a:r>
+              <a:rPr lang="ja-JP" altLang="en-US" dirty="0">
+                <a:latin typeface="Meiryo" panose="020B0604030504040204" pitchFamily="34" charset="-128"/>
+                <a:ea typeface="Meiryo" panose="020B0604030504040204" pitchFamily="34" charset="-128"/>
+              </a:rPr>
+              <a:t>主催</a:t>
+            </a:r>
+            <a:r>
+              <a:rPr lang="ja-JP" altLang="en-US" dirty="0" smtClean="0">
+                <a:latin typeface="Meiryo" panose="020B0604030504040204" pitchFamily="34" charset="-128"/>
+                <a:ea typeface="Meiryo" panose="020B0604030504040204" pitchFamily="34" charset="-128"/>
+              </a:rPr>
+              <a:t>者：</a:t>
+            </a:r>
+            <a:r>
+              <a:rPr lang="ja-JP" altLang="en-US" dirty="0">
+                <a:latin typeface="Meiryo" panose="020B0604030504040204" pitchFamily="34" charset="-128"/>
+                <a:ea typeface="Meiryo" panose="020B0604030504040204" pitchFamily="34" charset="-128"/>
+              </a:rPr>
+              <a:t>渡部</a:t>
+            </a:r>
+            <a:r>
+              <a:rPr lang="ja-JP" altLang="en-US" dirty="0" smtClean="0">
+                <a:latin typeface="Meiryo" panose="020B0604030504040204" pitchFamily="34" charset="-128"/>
+                <a:ea typeface="Meiryo" panose="020B0604030504040204" pitchFamily="34" charset="-128"/>
+              </a:rPr>
+              <a:t>格</a:t>
+            </a:r>
+            <a:endParaRPr lang="en-US" altLang="ja-JP" dirty="0" smtClean="0">
+              <a:latin typeface="Meiryo" panose="020B0604030504040204" pitchFamily="34" charset="-128"/>
+              <a:ea typeface="Meiryo" panose="020B0604030504040204" pitchFamily="34" charset="-128"/>
+            </a:endParaRPr>
+          </a:p>
+          <a:p>
+            <a:r>
+              <a:rPr lang="ja-JP" altLang="en-US" dirty="0" smtClean="0">
+                <a:latin typeface="Meiryo" panose="020B0604030504040204" pitchFamily="34" charset="-128"/>
+                <a:ea typeface="Meiryo" panose="020B0604030504040204" pitchFamily="34" charset="-128"/>
+              </a:rPr>
+              <a:t>第２</a:t>
+            </a:r>
+            <a:r>
+              <a:rPr lang="ja-JP" altLang="en-US" dirty="0">
+                <a:latin typeface="Meiryo" panose="020B0604030504040204" pitchFamily="34" charset="-128"/>
+                <a:ea typeface="Meiryo" panose="020B0604030504040204" pitchFamily="34" charset="-128"/>
+              </a:rPr>
+              <a:t>、４木曜日　</a:t>
+            </a:r>
+            <a:r>
+              <a:rPr lang="en-US" altLang="ja-JP" dirty="0">
+                <a:latin typeface="Meiryo" panose="020B0604030504040204" pitchFamily="34" charset="-128"/>
+                <a:ea typeface="Meiryo" panose="020B0604030504040204" pitchFamily="34" charset="-128"/>
+              </a:rPr>
+              <a:t>19:00-20:30</a:t>
+            </a:r>
+            <a:r>
+              <a:rPr lang="ja-JP" altLang="en-US" dirty="0">
+                <a:latin typeface="Meiryo" panose="020B0604030504040204" pitchFamily="34" charset="-128"/>
+                <a:ea typeface="Meiryo" panose="020B0604030504040204" pitchFamily="34" charset="-128"/>
+              </a:rPr>
+              <a:t>（休憩</a:t>
+            </a:r>
+            <a:r>
+              <a:rPr lang="en-US" altLang="ja-JP" dirty="0">
+                <a:latin typeface="Meiryo" panose="020B0604030504040204" pitchFamily="34" charset="-128"/>
+                <a:ea typeface="Meiryo" panose="020B0604030504040204" pitchFamily="34" charset="-128"/>
+              </a:rPr>
+              <a:t>10</a:t>
+            </a:r>
+            <a:r>
+              <a:rPr lang="ja-JP" altLang="en-US" dirty="0">
+                <a:latin typeface="Meiryo" panose="020B0604030504040204" pitchFamily="34" charset="-128"/>
+                <a:ea typeface="Meiryo" panose="020B0604030504040204" pitchFamily="34" charset="-128"/>
+              </a:rPr>
+              <a:t>分）</a:t>
+            </a:r>
+            <a:endParaRPr lang="en-US" altLang="ja-JP" dirty="0">
+              <a:latin typeface="Meiryo" panose="020B0604030504040204" pitchFamily="34" charset="-128"/>
+              <a:ea typeface="Meiryo" panose="020B0604030504040204" pitchFamily="34" charset="-128"/>
+            </a:endParaRPr>
+          </a:p>
+          <a:p>
+            <a:r>
+              <a:rPr lang="ja-JP" altLang="en-US" dirty="0">
+                <a:latin typeface="Meiryo" panose="020B0604030504040204" pitchFamily="34" charset="-128"/>
+                <a:ea typeface="Meiryo" panose="020B0604030504040204" pitchFamily="34" charset="-128"/>
+              </a:rPr>
+              <a:t>初回：</a:t>
+            </a:r>
+            <a:r>
+              <a:rPr lang="en-US" altLang="ja-JP" dirty="0">
+                <a:latin typeface="Meiryo" panose="020B0604030504040204" pitchFamily="34" charset="-128"/>
+                <a:ea typeface="Meiryo" panose="020B0604030504040204" pitchFamily="34" charset="-128"/>
+              </a:rPr>
+              <a:t>2</a:t>
+            </a:r>
+            <a:r>
+              <a:rPr lang="ja-JP" altLang="en-US" dirty="0">
+                <a:latin typeface="Meiryo" panose="020B0604030504040204" pitchFamily="34" charset="-128"/>
+                <a:ea typeface="Meiryo" panose="020B0604030504040204" pitchFamily="34" charset="-128"/>
+              </a:rPr>
+              <a:t>月</a:t>
+            </a:r>
+            <a:r>
+              <a:rPr lang="en-US" altLang="ja-JP" dirty="0">
+                <a:latin typeface="Meiryo" panose="020B0604030504040204" pitchFamily="34" charset="-128"/>
+                <a:ea typeface="Meiryo" panose="020B0604030504040204" pitchFamily="34" charset="-128"/>
+              </a:rPr>
+              <a:t>25</a:t>
+            </a:r>
+            <a:r>
+              <a:rPr lang="ja-JP" altLang="en-US" dirty="0">
+                <a:latin typeface="Meiryo" panose="020B0604030504040204" pitchFamily="34" charset="-128"/>
+                <a:ea typeface="Meiryo" panose="020B0604030504040204" pitchFamily="34" charset="-128"/>
+              </a:rPr>
+              <a:t>日（木）</a:t>
+            </a:r>
+            <a:endParaRPr lang="en-US" altLang="zh-CN" dirty="0">
+              <a:latin typeface="Meiryo" panose="020B0604030504040204" pitchFamily="34" charset="-128"/>
+              <a:ea typeface="Meiryo" panose="020B0604030504040204" pitchFamily="34" charset="-128"/>
+            </a:endParaRPr>
+          </a:p>
+          <a:p>
+            <a:endParaRPr lang="zh-CN" altLang="en-US" dirty="0"/>
+          </a:p>
+        </p:txBody>
+      </p:sp>
+    </p:spTree>
+    <p:extLst>
+      <p:ext uri="{BB962C8B-B14F-4D97-AF65-F5344CB8AC3E}">
+        <p14:creationId xmlns:p14="http://schemas.microsoft.com/office/powerpoint/2010/main" val="3479382752"/>
+      </p:ext>
+    </p:extLst>
+  </p:cSld>
+  <p:clrMapOvr>
+    <a:masterClrMapping/>
+  </p:clrMapOvr>
+  <p:timing>
+    <p:tnLst>
+      <p:par>
+        <p:cTn id="1" dur="indefinite" restart="never" nodeType="tmRoot"/>
+      </p:par>
+    </p:tnLst>
+  </p:timing>
+</p:sld>
+</file>
+
+<file path=ppt/slides/slide7.xml><?xml version="1.0" encoding="utf-8"?>
+<p:sld xmlns:a="http://schemas.openxmlformats.org/drawingml/2006/main" xmlns:r="http://schemas.openxmlformats.org/officeDocument/2006/relationships" xmlns:p="http://schemas.openxmlformats.org/presentationml/2006/main">
+  <p:cSld>
+    <p:spTree>
+      <p:nvGrpSpPr>
+        <p:cNvPr id="1" name=""/>
+        <p:cNvGrpSpPr/>
+        <p:nvPr/>
+      </p:nvGrpSpPr>
+      <p:grpSpPr>
+        <a:xfrm>
+          <a:off x="0" y="0"/>
+          <a:ext cx="0" cy="0"/>
+          <a:chOff x="0" y="0"/>
+          <a:chExt cx="0" cy="0"/>
+        </a:xfrm>
+      </p:grpSpPr>
+      <p:sp>
+        <p:nvSpPr>
+          <p:cNvPr id="2" name="标题 1"/>
+          <p:cNvSpPr>
+            <a:spLocks noGrp="1"/>
+          </p:cNvSpPr>
+          <p:nvPr>
+            <p:ph type="title"/>
+          </p:nvPr>
+        </p:nvSpPr>
+        <p:spPr/>
+        <p:txBody>
+          <a:bodyPr>
+            <a:normAutofit/>
+          </a:bodyPr>
+          <a:lstStyle/>
+          <a:p>
+            <a:r>
+              <a:rPr lang="ja-JP" altLang="en-US" dirty="0"/>
+              <a:t>勉強会テーマ紹介</a:t>
+            </a:r>
+            <a:r>
+              <a:rPr lang="en-US" altLang="ja-JP" dirty="0" smtClean="0"/>
+              <a:t/>
+            </a:r>
+            <a:br>
+              <a:rPr lang="en-US" altLang="ja-JP" dirty="0" smtClean="0"/>
+            </a:br>
+            <a:r>
+              <a:rPr lang="ja-JP" altLang="en-US" sz="2400" dirty="0" smtClean="0"/>
+              <a:t>ＪＰ１（統</a:t>
+            </a:r>
+            <a:r>
+              <a:rPr lang="ja-JP" altLang="en-US" sz="2400" dirty="0"/>
+              <a:t>合システム運用</a:t>
+            </a:r>
+            <a:r>
+              <a:rPr lang="ja-JP" altLang="en-US" sz="2400" dirty="0" smtClean="0"/>
+              <a:t>管理製品）</a:t>
+            </a:r>
+            <a:endParaRPr lang="en-US" dirty="0"/>
+          </a:p>
+        </p:txBody>
+      </p:sp>
+      <p:sp>
+        <p:nvSpPr>
+          <p:cNvPr id="3" name="内容占位符 2"/>
+          <p:cNvSpPr>
+            <a:spLocks noGrp="1"/>
+          </p:cNvSpPr>
+          <p:nvPr>
+            <p:ph idx="1"/>
+          </p:nvPr>
+        </p:nvSpPr>
+        <p:spPr/>
+        <p:txBody>
+          <a:bodyPr/>
+          <a:lstStyle/>
+          <a:p>
+            <a:r>
+              <a:rPr lang="en-US" altLang="ja-JP" dirty="0"/>
+              <a:t>JP1</a:t>
+            </a:r>
+            <a:r>
+              <a:rPr lang="ja-JP" altLang="en-US" dirty="0"/>
+              <a:t>製品の機能についてジョブ管理、統合監視をメインに説明を行い、使用できる機能の理解や業務活用方法を共有することを目的とする勉強会です。製品としては主に自動化のツールとして幅広く使用され、</a:t>
+            </a:r>
+            <a:r>
+              <a:rPr lang="en-US" altLang="ja-JP" dirty="0"/>
+              <a:t>RPA</a:t>
+            </a:r>
+            <a:r>
+              <a:rPr lang="ja-JP" altLang="en-US" dirty="0"/>
+              <a:t>との連動などもできます</a:t>
+            </a:r>
+            <a:r>
+              <a:rPr lang="ja-JP" altLang="en-US" dirty="0" smtClean="0"/>
+              <a:t>。</a:t>
+            </a:r>
+            <a:endParaRPr lang="en-US" altLang="ja-JP" dirty="0" smtClean="0"/>
+          </a:p>
+          <a:p>
+            <a:endParaRPr lang="en-US" dirty="0" smtClean="0"/>
+          </a:p>
+          <a:p>
+            <a:r>
+              <a:rPr lang="ja-JP" altLang="en-US" dirty="0"/>
+              <a:t>主催</a:t>
+            </a:r>
+            <a:r>
+              <a:rPr lang="ja-JP" altLang="en-US" dirty="0" smtClean="0"/>
+              <a:t>者：</a:t>
+            </a:r>
+            <a:r>
+              <a:rPr lang="ja-JP" altLang="en-US" dirty="0">
+                <a:latin typeface="Meiryo" panose="020B0604030504040204" pitchFamily="34" charset="-128"/>
+                <a:ea typeface="Meiryo" panose="020B0604030504040204" pitchFamily="34" charset="-128"/>
+              </a:rPr>
+              <a:t>夏目豊</a:t>
+            </a:r>
+            <a:r>
+              <a:rPr lang="ja-JP" altLang="en-US" dirty="0" smtClean="0">
+                <a:latin typeface="Meiryo" panose="020B0604030504040204" pitchFamily="34" charset="-128"/>
+                <a:ea typeface="Meiryo" panose="020B0604030504040204" pitchFamily="34" charset="-128"/>
+              </a:rPr>
+              <a:t>和</a:t>
+            </a:r>
+            <a:endParaRPr lang="en-US" dirty="0"/>
+          </a:p>
+          <a:p>
+            <a:r>
+              <a:rPr lang="zh-CN" altLang="en-US" dirty="0"/>
+              <a:t>第２、４水曜日　</a:t>
+            </a:r>
+            <a:r>
+              <a:rPr lang="en-US" altLang="zh-CN" dirty="0"/>
+              <a:t>19:00-20:30</a:t>
+            </a:r>
+            <a:r>
+              <a:rPr lang="zh-CN" altLang="en-US" dirty="0"/>
+              <a:t>（休憩</a:t>
+            </a:r>
+            <a:r>
+              <a:rPr lang="en-US" altLang="zh-CN" dirty="0"/>
+              <a:t>10</a:t>
+            </a:r>
+            <a:r>
+              <a:rPr lang="zh-CN" altLang="en-US" dirty="0"/>
+              <a:t>分）</a:t>
+            </a:r>
+          </a:p>
+          <a:p>
+            <a:r>
+              <a:rPr lang="zh-CN" altLang="en-US" dirty="0"/>
+              <a:t>初回：</a:t>
+            </a:r>
+            <a:r>
+              <a:rPr lang="en-US" altLang="zh-CN" dirty="0"/>
+              <a:t>2</a:t>
+            </a:r>
+            <a:r>
+              <a:rPr lang="zh-CN" altLang="en-US" dirty="0"/>
+              <a:t>月</a:t>
+            </a:r>
+            <a:r>
+              <a:rPr lang="en-US" altLang="zh-CN" dirty="0"/>
+              <a:t>24</a:t>
+            </a:r>
+            <a:r>
+              <a:rPr lang="zh-CN" altLang="en-US" dirty="0"/>
+              <a:t>日（水）</a:t>
+            </a:r>
+          </a:p>
+          <a:p>
+            <a:endParaRPr lang="en-US" dirty="0"/>
+          </a:p>
+        </p:txBody>
+      </p:sp>
+    </p:spTree>
+    <p:extLst>
+      <p:ext uri="{BB962C8B-B14F-4D97-AF65-F5344CB8AC3E}">
+        <p14:creationId xmlns:p14="http://schemas.microsoft.com/office/powerpoint/2010/main" val="2770064581"/>
+      </p:ext>
+    </p:extLst>
+  </p:cSld>
+  <p:clrMapOvr>
+    <a:masterClrMapping/>
+  </p:clrMapOvr>
+</p:sld>
+</file>
+
+<file path=ppt/slides/slide8.xml><?xml version="1.0" encoding="utf-8"?>
 <p:sld xmlns:a="http://schemas.openxmlformats.org/drawingml/2006/main" xmlns:r="http://schemas.openxmlformats.org/officeDocument/2006/relationships" xmlns:p="http://schemas.openxmlformats.org/presentationml/2006/main">
   <p:cSld>
     <p:spTree>
@@ -7701,898 +8710,13 @@
   <p:clrMapOvr>
     <a:masterClrMapping/>
   </p:clrMapOvr>
-</p:sld>
-</file>
-
-<file path=ppt/slides/slide4.xml><?xml version="1.0" encoding="utf-8"?>
-<p:sld xmlns:a="http://schemas.openxmlformats.org/drawingml/2006/main" xmlns:r="http://schemas.openxmlformats.org/officeDocument/2006/relationships" xmlns:p="http://schemas.openxmlformats.org/presentationml/2006/main">
-  <p:cSld>
-    <p:spTree>
-      <p:nvGrpSpPr>
-        <p:cNvPr id="1" name=""/>
-        <p:cNvGrpSpPr/>
-        <p:nvPr/>
-      </p:nvGrpSpPr>
-      <p:grpSpPr>
-        <a:xfrm>
-          <a:off x="0" y="0"/>
-          <a:ext cx="0" cy="0"/>
-          <a:chOff x="0" y="0"/>
-          <a:chExt cx="0" cy="0"/>
-        </a:xfrm>
-      </p:grpSpPr>
-      <p:sp>
-        <p:nvSpPr>
-          <p:cNvPr id="2" name="标题 1"/>
-          <p:cNvSpPr>
-            <a:spLocks noGrp="1"/>
-          </p:cNvSpPr>
-          <p:nvPr>
-            <p:ph type="title"/>
-          </p:nvPr>
-        </p:nvSpPr>
-        <p:spPr/>
-        <p:txBody>
-          <a:bodyPr>
-            <a:normAutofit/>
-          </a:bodyPr>
-          <a:lstStyle/>
-          <a:p>
-            <a:r>
-              <a:rPr lang="ja-JP" altLang="en-US" dirty="0"/>
-              <a:t>勉強会テーマ紹介</a:t>
-            </a:r>
-            <a:r>
-              <a:rPr lang="en-US" altLang="ja-JP" dirty="0" smtClean="0"/>
-              <a:t/>
-            </a:r>
-            <a:br>
-              <a:rPr lang="en-US" altLang="ja-JP" dirty="0" smtClean="0"/>
-            </a:br>
-            <a:r>
-              <a:rPr lang="ja-JP" altLang="en-US" sz="2400" dirty="0" smtClean="0"/>
-              <a:t>ＲＰＡ（</a:t>
-            </a:r>
-            <a:r>
-              <a:rPr lang="en-US" altLang="ja-JP" sz="2400" dirty="0"/>
-              <a:t>Robotic Process </a:t>
-            </a:r>
-            <a:r>
-              <a:rPr lang="en-US" altLang="ja-JP" sz="2400" dirty="0" smtClean="0"/>
-              <a:t>Automation</a:t>
-            </a:r>
-            <a:r>
-              <a:rPr lang="ja-JP" altLang="en-US" sz="2400" dirty="0" smtClean="0"/>
-              <a:t>）</a:t>
-            </a:r>
-            <a:endParaRPr lang="en-US" dirty="0"/>
-          </a:p>
-        </p:txBody>
-      </p:sp>
-      <p:sp>
-        <p:nvSpPr>
-          <p:cNvPr id="3" name="内容占位符 2"/>
-          <p:cNvSpPr>
-            <a:spLocks noGrp="1"/>
-          </p:cNvSpPr>
-          <p:nvPr>
-            <p:ph idx="1"/>
-          </p:nvPr>
-        </p:nvSpPr>
-        <p:spPr/>
-        <p:txBody>
-          <a:bodyPr/>
-          <a:lstStyle/>
-          <a:p>
-            <a:r>
-              <a:rPr lang="ja-JP" altLang="en-US" dirty="0" smtClean="0"/>
-              <a:t>ＲＰＡとは</a:t>
-            </a:r>
-            <a:r>
-              <a:rPr lang="ja-JP" altLang="en-US" dirty="0"/>
-              <a:t>「</a:t>
-            </a:r>
-            <a:r>
-              <a:rPr lang="en-US" altLang="ja-JP" dirty="0"/>
-              <a:t>Robotic Process Automation</a:t>
-            </a:r>
-            <a:r>
-              <a:rPr lang="ja-JP" altLang="en-US" dirty="0"/>
-              <a:t>」の略語で</a:t>
-            </a:r>
-            <a:r>
-              <a:rPr lang="ja-JP" altLang="en-US" dirty="0" smtClean="0"/>
-              <a:t>、</a:t>
-            </a:r>
-            <a:r>
-              <a:rPr lang="en-US" altLang="ja-JP" dirty="0" smtClean="0"/>
-              <a:t>PC</a:t>
-            </a:r>
-            <a:r>
-              <a:rPr lang="ja-JP" altLang="en-US" dirty="0"/>
-              <a:t>などを用いて行っている一連の作業を自動化できる「ソフトウェアロボット」のことである</a:t>
-            </a:r>
-            <a:r>
-              <a:rPr lang="ja-JP" altLang="en-US" dirty="0" smtClean="0"/>
-              <a:t>。本勉強会では、主</a:t>
-            </a:r>
-            <a:r>
-              <a:rPr lang="ja-JP" altLang="en-US" dirty="0"/>
-              <a:t>に</a:t>
-            </a:r>
-            <a:r>
-              <a:rPr lang="en-US" altLang="ja-JP" dirty="0" err="1" smtClean="0"/>
-              <a:t>UiPath</a:t>
-            </a:r>
-            <a:r>
-              <a:rPr lang="ja-JP" altLang="en-US" dirty="0" smtClean="0"/>
-              <a:t>を利用して、ＲＰＡの知</a:t>
-            </a:r>
-            <a:r>
-              <a:rPr lang="ja-JP" altLang="en-US" dirty="0"/>
-              <a:t>識を共有しながら</a:t>
-            </a:r>
-            <a:r>
-              <a:rPr lang="ja-JP" altLang="en-US" dirty="0" smtClean="0"/>
-              <a:t>、業</a:t>
-            </a:r>
-            <a:r>
-              <a:rPr lang="ja-JP" altLang="en-US" dirty="0"/>
-              <a:t>務自動化に関する様々な情報を参加者同士で楽しく交換し合える勉強会です</a:t>
-            </a:r>
-            <a:r>
-              <a:rPr lang="ja-JP" altLang="en-US" dirty="0" smtClean="0"/>
-              <a:t>。</a:t>
-            </a:r>
-            <a:endParaRPr lang="en-US" altLang="ja-JP" dirty="0" smtClean="0"/>
-          </a:p>
-          <a:p>
-            <a:endParaRPr lang="en-US" dirty="0"/>
-          </a:p>
-          <a:p>
-            <a:r>
-              <a:rPr lang="zh-CN" altLang="en-US" dirty="0"/>
-              <a:t>第１、３木曜日　</a:t>
-            </a:r>
-            <a:r>
-              <a:rPr lang="en-US" altLang="zh-CN" dirty="0"/>
-              <a:t>19:00-20:30</a:t>
-            </a:r>
-            <a:r>
-              <a:rPr lang="zh-CN" altLang="en-US" dirty="0"/>
-              <a:t>（休憩</a:t>
-            </a:r>
-            <a:r>
-              <a:rPr lang="en-US" altLang="zh-CN" dirty="0"/>
-              <a:t>10</a:t>
-            </a:r>
-            <a:r>
-              <a:rPr lang="zh-CN" altLang="en-US" dirty="0"/>
-              <a:t>分）</a:t>
-            </a:r>
-          </a:p>
-          <a:p>
-            <a:r>
-              <a:rPr lang="zh-CN" altLang="en-US" dirty="0"/>
-              <a:t>初回：</a:t>
-            </a:r>
-            <a:r>
-              <a:rPr lang="en-US" altLang="zh-CN" dirty="0"/>
-              <a:t>2</a:t>
-            </a:r>
-            <a:r>
-              <a:rPr lang="zh-CN" altLang="en-US" dirty="0"/>
-              <a:t>月</a:t>
-            </a:r>
-            <a:r>
-              <a:rPr lang="en-US" altLang="zh-CN" dirty="0"/>
-              <a:t>18</a:t>
-            </a:r>
-            <a:r>
-              <a:rPr lang="zh-CN" altLang="en-US" dirty="0"/>
-              <a:t>日（木）</a:t>
-            </a:r>
-          </a:p>
-          <a:p>
-            <a:endParaRPr lang="en-US" dirty="0"/>
-          </a:p>
-        </p:txBody>
-      </p:sp>
-    </p:spTree>
-    <p:extLst>
-      <p:ext uri="{BB962C8B-B14F-4D97-AF65-F5344CB8AC3E}">
-        <p14:creationId xmlns:p14="http://schemas.microsoft.com/office/powerpoint/2010/main" val="1518356628"/>
-      </p:ext>
-    </p:extLst>
-  </p:cSld>
-  <p:clrMapOvr>
-    <a:masterClrMapping/>
-  </p:clrMapOvr>
-</p:sld>
-</file>
-
-<file path=ppt/slides/slide5.xml><?xml version="1.0" encoding="utf-8"?>
-<p:sld xmlns:a="http://schemas.openxmlformats.org/drawingml/2006/main" xmlns:r="http://schemas.openxmlformats.org/officeDocument/2006/relationships" xmlns:p="http://schemas.openxmlformats.org/presentationml/2006/main">
-  <p:cSld>
-    <p:spTree>
-      <p:nvGrpSpPr>
-        <p:cNvPr id="1" name=""/>
-        <p:cNvGrpSpPr/>
-        <p:nvPr/>
-      </p:nvGrpSpPr>
-      <p:grpSpPr>
-        <a:xfrm>
-          <a:off x="0" y="0"/>
-          <a:ext cx="0" cy="0"/>
-          <a:chOff x="0" y="0"/>
-          <a:chExt cx="0" cy="0"/>
-        </a:xfrm>
-      </p:grpSpPr>
-      <p:sp>
-        <p:nvSpPr>
-          <p:cNvPr id="2" name="标题 1"/>
-          <p:cNvSpPr>
-            <a:spLocks noGrp="1"/>
-          </p:cNvSpPr>
-          <p:nvPr>
-            <p:ph type="title"/>
-          </p:nvPr>
-        </p:nvSpPr>
-        <p:spPr/>
-        <p:txBody>
-          <a:bodyPr>
-            <a:normAutofit/>
-          </a:bodyPr>
-          <a:lstStyle/>
-          <a:p>
-            <a:r>
-              <a:rPr lang="ja-JP" altLang="en-US" dirty="0"/>
-              <a:t>勉強会テーマ紹介</a:t>
-            </a:r>
-            <a:r>
-              <a:rPr lang="en-US" sz="2400" dirty="0" smtClean="0"/>
-              <a:t/>
-            </a:r>
-            <a:br>
-              <a:rPr lang="en-US" sz="2400" dirty="0" smtClean="0"/>
-            </a:br>
-            <a:r>
-              <a:rPr lang="ja-JP" altLang="en-US" sz="2400" dirty="0" smtClean="0"/>
-              <a:t>ＰＭ（</a:t>
-            </a:r>
-            <a:r>
-              <a:rPr lang="en-US" altLang="ja-JP" sz="2400" dirty="0"/>
-              <a:t>Project Management</a:t>
-            </a:r>
-            <a:r>
-              <a:rPr lang="ja-JP" altLang="en-US" sz="2400" dirty="0"/>
-              <a:t>：プロジェクト</a:t>
-            </a:r>
-            <a:r>
-              <a:rPr lang="ja-JP" altLang="en-US" sz="2400" dirty="0" smtClean="0"/>
-              <a:t>管理）</a:t>
-            </a:r>
-            <a:endParaRPr lang="zh-CN" altLang="en-US" sz="2400" dirty="0"/>
-          </a:p>
-        </p:txBody>
-      </p:sp>
-      <p:sp>
-        <p:nvSpPr>
-          <p:cNvPr id="3" name="内容占位符 2"/>
-          <p:cNvSpPr>
-            <a:spLocks noGrp="1"/>
-          </p:cNvSpPr>
-          <p:nvPr>
-            <p:ph idx="1"/>
-          </p:nvPr>
-        </p:nvSpPr>
-        <p:spPr/>
-        <p:txBody>
-          <a:bodyPr/>
-          <a:lstStyle/>
-          <a:p>
-            <a:r>
-              <a:rPr lang="ja-JP" altLang="en-US" dirty="0"/>
-              <a:t>ディスカッションを中心に管理能力向上の勉強会です</a:t>
-            </a:r>
-            <a:r>
-              <a:rPr lang="ja-JP" altLang="en-US" dirty="0" smtClean="0"/>
-              <a:t>。第</a:t>
-            </a:r>
-            <a:r>
-              <a:rPr lang="en-US" altLang="ja-JP" dirty="0" smtClean="0"/>
-              <a:t>1</a:t>
-            </a:r>
-            <a:r>
-              <a:rPr lang="ja-JP" altLang="en-US" dirty="0"/>
-              <a:t>回目は、参加者の向上させたい管理能力を確認を行う予定です。</a:t>
-            </a:r>
-          </a:p>
-          <a:p>
-            <a:endParaRPr lang="en-US" dirty="0" smtClean="0"/>
-          </a:p>
-          <a:p>
-            <a:r>
-              <a:rPr lang="zh-CN" altLang="en-US" dirty="0"/>
-              <a:t>第１、３水曜日　</a:t>
-            </a:r>
-            <a:r>
-              <a:rPr lang="en-US" altLang="zh-CN" dirty="0"/>
-              <a:t>19:00-20:30</a:t>
-            </a:r>
-            <a:r>
-              <a:rPr lang="zh-CN" altLang="en-US" dirty="0"/>
-              <a:t>（休憩</a:t>
-            </a:r>
-            <a:r>
-              <a:rPr lang="en-US" altLang="zh-CN" dirty="0"/>
-              <a:t>10</a:t>
-            </a:r>
-            <a:r>
-              <a:rPr lang="zh-CN" altLang="en-US" dirty="0"/>
-              <a:t>分）</a:t>
-            </a:r>
-          </a:p>
-          <a:p>
-            <a:r>
-              <a:rPr lang="zh-CN" altLang="en-US" dirty="0"/>
-              <a:t>初回：</a:t>
-            </a:r>
-            <a:r>
-              <a:rPr lang="en-US" altLang="zh-CN" dirty="0"/>
-              <a:t>2</a:t>
-            </a:r>
-            <a:r>
-              <a:rPr lang="zh-CN" altLang="en-US" dirty="0"/>
-              <a:t>月</a:t>
-            </a:r>
-            <a:r>
-              <a:rPr lang="en-US" altLang="zh-CN" dirty="0"/>
-              <a:t>17</a:t>
-            </a:r>
-            <a:r>
-              <a:rPr lang="zh-CN" altLang="en-US" dirty="0"/>
-              <a:t>日（水）</a:t>
-            </a:r>
-          </a:p>
-          <a:p>
-            <a:endParaRPr lang="en-US" dirty="0"/>
-          </a:p>
-        </p:txBody>
-      </p:sp>
-    </p:spTree>
-    <p:extLst>
-      <p:ext uri="{BB962C8B-B14F-4D97-AF65-F5344CB8AC3E}">
-        <p14:creationId xmlns:p14="http://schemas.microsoft.com/office/powerpoint/2010/main" val="2993616479"/>
-      </p:ext>
-    </p:extLst>
-  </p:cSld>
-  <p:clrMapOvr>
-    <a:masterClrMapping/>
-  </p:clrMapOvr>
-</p:sld>
-</file>
-
-<file path=ppt/slides/slide6.xml><?xml version="1.0" encoding="utf-8"?>
-<p:sld xmlns:a="http://schemas.openxmlformats.org/drawingml/2006/main" xmlns:r="http://schemas.openxmlformats.org/officeDocument/2006/relationships" xmlns:p="http://schemas.openxmlformats.org/presentationml/2006/main">
-  <p:cSld>
-    <p:spTree>
-      <p:nvGrpSpPr>
-        <p:cNvPr id="1" name=""/>
-        <p:cNvGrpSpPr/>
-        <p:nvPr/>
-      </p:nvGrpSpPr>
-      <p:grpSpPr>
-        <a:xfrm>
-          <a:off x="0" y="0"/>
-          <a:ext cx="0" cy="0"/>
-          <a:chOff x="0" y="0"/>
-          <a:chExt cx="0" cy="0"/>
-        </a:xfrm>
-      </p:grpSpPr>
-      <p:sp>
-        <p:nvSpPr>
-          <p:cNvPr id="2" name="标题 1"/>
-          <p:cNvSpPr>
-            <a:spLocks noGrp="1"/>
-          </p:cNvSpPr>
-          <p:nvPr>
-            <p:ph type="title"/>
-          </p:nvPr>
-        </p:nvSpPr>
-        <p:spPr/>
-        <p:txBody>
-          <a:bodyPr>
-            <a:normAutofit fontScale="90000"/>
-          </a:bodyPr>
-          <a:lstStyle/>
-          <a:p>
-            <a:r>
-              <a:rPr lang="zh-CN" altLang="en-US" sz="4000" dirty="0"/>
-              <a:t>勉強会</a:t>
-            </a:r>
-            <a:r>
-              <a:rPr lang="ja-JP" altLang="en-US" sz="4000" dirty="0"/>
-              <a:t>テーマ</a:t>
-            </a:r>
-            <a:r>
-              <a:rPr lang="zh-CN" altLang="en-US" sz="4000" dirty="0"/>
-              <a:t>紹</a:t>
-            </a:r>
-            <a:r>
-              <a:rPr lang="zh-CN" altLang="en-US" sz="4000" dirty="0" smtClean="0"/>
-              <a:t>介</a:t>
-            </a:r>
-            <a:r>
-              <a:rPr lang="en-US" altLang="zh-CN" dirty="0" smtClean="0"/>
-              <a:t/>
-            </a:r>
-            <a:br>
-              <a:rPr lang="en-US" altLang="zh-CN" dirty="0" smtClean="0"/>
-            </a:br>
-            <a:r>
-              <a:rPr lang="ja-JP" altLang="en-US" sz="2400" dirty="0" smtClean="0"/>
-              <a:t>ＴＯＣ（</a:t>
-            </a:r>
-            <a:r>
-              <a:rPr lang="en-US" altLang="zh-CN" sz="2400" dirty="0" smtClean="0"/>
-              <a:t>Theory </a:t>
-            </a:r>
-            <a:r>
-              <a:rPr lang="en-US" altLang="zh-CN" sz="2400" dirty="0"/>
-              <a:t>Of Constraints</a:t>
-            </a:r>
-            <a:r>
-              <a:rPr lang="zh-CN" altLang="en-US" sz="2400" dirty="0"/>
-              <a:t>：制約条件</a:t>
-            </a:r>
-            <a:r>
-              <a:rPr lang="ja-JP" altLang="en-US" sz="2400" dirty="0"/>
-              <a:t>の</a:t>
-            </a:r>
-            <a:r>
-              <a:rPr lang="zh-CN" altLang="en-US" sz="2400" dirty="0"/>
-              <a:t>理</a:t>
-            </a:r>
-            <a:r>
-              <a:rPr lang="zh-CN" altLang="en-US" sz="2400" dirty="0" smtClean="0"/>
-              <a:t>論</a:t>
-            </a:r>
-            <a:r>
-              <a:rPr lang="ja-JP" altLang="en-US" sz="2400" dirty="0" smtClean="0"/>
-              <a:t>）</a:t>
-            </a:r>
-            <a:r>
-              <a:rPr lang="zh-CN" altLang="en-US" sz="2400" dirty="0"/>
-              <a:t/>
-            </a:r>
-            <a:br>
-              <a:rPr lang="zh-CN" altLang="en-US" sz="2400" dirty="0"/>
-            </a:br>
-            <a:endParaRPr lang="zh-CN" altLang="en-US" sz="2400" dirty="0"/>
-          </a:p>
-        </p:txBody>
-      </p:sp>
-      <p:sp>
-        <p:nvSpPr>
-          <p:cNvPr id="3" name="内容占位符 2"/>
-          <p:cNvSpPr>
-            <a:spLocks noGrp="1"/>
-          </p:cNvSpPr>
-          <p:nvPr>
-            <p:ph idx="1"/>
-          </p:nvPr>
-        </p:nvSpPr>
-        <p:spPr/>
-        <p:txBody>
-          <a:bodyPr/>
-          <a:lstStyle/>
-          <a:p>
-            <a:r>
-              <a:rPr lang="ja-JP" altLang="en-US" dirty="0"/>
-              <a:t>プロジェクト管理や設計、プログラミング、私生活等に幅広く使える論理的思考法、</a:t>
-            </a:r>
-            <a:r>
-              <a:rPr lang="en-US" altLang="ja-JP" dirty="0"/>
-              <a:t>TOC(</a:t>
-            </a:r>
-            <a:r>
-              <a:rPr lang="ja-JP" altLang="en-US" dirty="0"/>
-              <a:t>制約条件の理論</a:t>
-            </a:r>
-            <a:r>
-              <a:rPr lang="en-US" altLang="ja-JP" dirty="0"/>
-              <a:t>)</a:t>
-            </a:r>
-            <a:r>
-              <a:rPr lang="ja-JP" altLang="en-US" dirty="0"/>
-              <a:t>について、理論や実践方法を習得し参加者全員の問題解決力を高めることを目的とする勉強会です</a:t>
-            </a:r>
-            <a:r>
-              <a:rPr lang="ja-JP" altLang="en-US" dirty="0" smtClean="0"/>
-              <a:t>。</a:t>
-            </a:r>
-            <a:endParaRPr lang="en-US" altLang="ja-JP" dirty="0"/>
-          </a:p>
-          <a:p>
-            <a:endParaRPr lang="en-US" altLang="ja-JP" dirty="0" smtClean="0">
-              <a:latin typeface="Meiryo" panose="020B0604030504040204" pitchFamily="34" charset="-128"/>
-              <a:ea typeface="Meiryo" panose="020B0604030504040204" pitchFamily="34" charset="-128"/>
-            </a:endParaRPr>
-          </a:p>
-          <a:p>
-            <a:r>
-              <a:rPr lang="ja-JP" altLang="en-US" dirty="0" smtClean="0">
-                <a:latin typeface="Meiryo" panose="020B0604030504040204" pitchFamily="34" charset="-128"/>
-                <a:ea typeface="Meiryo" panose="020B0604030504040204" pitchFamily="34" charset="-128"/>
-              </a:rPr>
-              <a:t>第２</a:t>
-            </a:r>
-            <a:r>
-              <a:rPr lang="ja-JP" altLang="en-US" dirty="0">
-                <a:latin typeface="Meiryo" panose="020B0604030504040204" pitchFamily="34" charset="-128"/>
-                <a:ea typeface="Meiryo" panose="020B0604030504040204" pitchFamily="34" charset="-128"/>
-              </a:rPr>
-              <a:t>、４木曜日　</a:t>
-            </a:r>
-            <a:r>
-              <a:rPr lang="en-US" altLang="ja-JP" dirty="0">
-                <a:latin typeface="Meiryo" panose="020B0604030504040204" pitchFamily="34" charset="-128"/>
-                <a:ea typeface="Meiryo" panose="020B0604030504040204" pitchFamily="34" charset="-128"/>
-              </a:rPr>
-              <a:t>19:00-20:30</a:t>
-            </a:r>
-            <a:r>
-              <a:rPr lang="ja-JP" altLang="en-US" dirty="0">
-                <a:latin typeface="Meiryo" panose="020B0604030504040204" pitchFamily="34" charset="-128"/>
-                <a:ea typeface="Meiryo" panose="020B0604030504040204" pitchFamily="34" charset="-128"/>
-              </a:rPr>
-              <a:t>（休憩</a:t>
-            </a:r>
-            <a:r>
-              <a:rPr lang="en-US" altLang="ja-JP" dirty="0">
-                <a:latin typeface="Meiryo" panose="020B0604030504040204" pitchFamily="34" charset="-128"/>
-                <a:ea typeface="Meiryo" panose="020B0604030504040204" pitchFamily="34" charset="-128"/>
-              </a:rPr>
-              <a:t>10</a:t>
-            </a:r>
-            <a:r>
-              <a:rPr lang="ja-JP" altLang="en-US" dirty="0">
-                <a:latin typeface="Meiryo" panose="020B0604030504040204" pitchFamily="34" charset="-128"/>
-                <a:ea typeface="Meiryo" panose="020B0604030504040204" pitchFamily="34" charset="-128"/>
-              </a:rPr>
-              <a:t>分）</a:t>
-            </a:r>
-            <a:endParaRPr lang="en-US" altLang="ja-JP" dirty="0">
-              <a:latin typeface="Meiryo" panose="020B0604030504040204" pitchFamily="34" charset="-128"/>
-              <a:ea typeface="Meiryo" panose="020B0604030504040204" pitchFamily="34" charset="-128"/>
-            </a:endParaRPr>
-          </a:p>
-          <a:p>
-            <a:r>
-              <a:rPr lang="ja-JP" altLang="en-US" dirty="0">
-                <a:latin typeface="Meiryo" panose="020B0604030504040204" pitchFamily="34" charset="-128"/>
-                <a:ea typeface="Meiryo" panose="020B0604030504040204" pitchFamily="34" charset="-128"/>
-              </a:rPr>
-              <a:t>初回：</a:t>
-            </a:r>
-            <a:r>
-              <a:rPr lang="en-US" altLang="ja-JP" dirty="0">
-                <a:latin typeface="Meiryo" panose="020B0604030504040204" pitchFamily="34" charset="-128"/>
-                <a:ea typeface="Meiryo" panose="020B0604030504040204" pitchFamily="34" charset="-128"/>
-              </a:rPr>
-              <a:t>2</a:t>
-            </a:r>
-            <a:r>
-              <a:rPr lang="ja-JP" altLang="en-US" dirty="0">
-                <a:latin typeface="Meiryo" panose="020B0604030504040204" pitchFamily="34" charset="-128"/>
-                <a:ea typeface="Meiryo" panose="020B0604030504040204" pitchFamily="34" charset="-128"/>
-              </a:rPr>
-              <a:t>月</a:t>
-            </a:r>
-            <a:r>
-              <a:rPr lang="en-US" altLang="ja-JP" dirty="0">
-                <a:latin typeface="Meiryo" panose="020B0604030504040204" pitchFamily="34" charset="-128"/>
-                <a:ea typeface="Meiryo" panose="020B0604030504040204" pitchFamily="34" charset="-128"/>
-              </a:rPr>
-              <a:t>25</a:t>
-            </a:r>
-            <a:r>
-              <a:rPr lang="ja-JP" altLang="en-US" dirty="0">
-                <a:latin typeface="Meiryo" panose="020B0604030504040204" pitchFamily="34" charset="-128"/>
-                <a:ea typeface="Meiryo" panose="020B0604030504040204" pitchFamily="34" charset="-128"/>
-              </a:rPr>
-              <a:t>日（木）</a:t>
-            </a:r>
-            <a:endParaRPr lang="en-US" altLang="zh-CN" dirty="0">
-              <a:latin typeface="Meiryo" panose="020B0604030504040204" pitchFamily="34" charset="-128"/>
-              <a:ea typeface="Meiryo" panose="020B0604030504040204" pitchFamily="34" charset="-128"/>
-            </a:endParaRPr>
-          </a:p>
-          <a:p>
-            <a:endParaRPr lang="zh-CN" altLang="en-US" dirty="0"/>
-          </a:p>
-        </p:txBody>
-      </p:sp>
-    </p:spTree>
-    <p:extLst>
-      <p:ext uri="{BB962C8B-B14F-4D97-AF65-F5344CB8AC3E}">
-        <p14:creationId xmlns:p14="http://schemas.microsoft.com/office/powerpoint/2010/main" val="3479382752"/>
-      </p:ext>
-    </p:extLst>
-  </p:cSld>
-  <p:clrMapOvr>
-    <a:masterClrMapping/>
-  </p:clrMapOvr>
-</p:sld>
-</file>
-
-<file path=ppt/slides/slide7.xml><?xml version="1.0" encoding="utf-8"?>
-<p:sld xmlns:a="http://schemas.openxmlformats.org/drawingml/2006/main" xmlns:r="http://schemas.openxmlformats.org/officeDocument/2006/relationships" xmlns:p="http://schemas.openxmlformats.org/presentationml/2006/main">
-  <p:cSld>
-    <p:spTree>
-      <p:nvGrpSpPr>
-        <p:cNvPr id="1" name=""/>
-        <p:cNvGrpSpPr/>
-        <p:nvPr/>
-      </p:nvGrpSpPr>
-      <p:grpSpPr>
-        <a:xfrm>
-          <a:off x="0" y="0"/>
-          <a:ext cx="0" cy="0"/>
-          <a:chOff x="0" y="0"/>
-          <a:chExt cx="0" cy="0"/>
-        </a:xfrm>
-      </p:grpSpPr>
-      <p:sp>
-        <p:nvSpPr>
-          <p:cNvPr id="2" name="标题 1"/>
-          <p:cNvSpPr>
-            <a:spLocks noGrp="1"/>
-          </p:cNvSpPr>
-          <p:nvPr>
-            <p:ph type="title"/>
-          </p:nvPr>
-        </p:nvSpPr>
-        <p:spPr/>
-        <p:txBody>
-          <a:bodyPr>
-            <a:normAutofit/>
-          </a:bodyPr>
-          <a:lstStyle/>
-          <a:p>
-            <a:r>
-              <a:rPr lang="ja-JP" altLang="en-US" dirty="0"/>
-              <a:t>勉強会テーマ紹介</a:t>
-            </a:r>
-            <a:r>
-              <a:rPr lang="en-US" altLang="ja-JP" dirty="0" smtClean="0"/>
-              <a:t/>
-            </a:r>
-            <a:br>
-              <a:rPr lang="en-US" altLang="ja-JP" dirty="0" smtClean="0"/>
-            </a:br>
-            <a:r>
-              <a:rPr lang="ja-JP" altLang="en-US" sz="2400" dirty="0" smtClean="0"/>
-              <a:t>ＪＰ１（</a:t>
-            </a:r>
-            <a:r>
-              <a:rPr lang="ja-JP" altLang="en-US" sz="2400" dirty="0" smtClean="0"/>
-              <a:t>統</a:t>
-            </a:r>
-            <a:r>
-              <a:rPr lang="ja-JP" altLang="en-US" sz="2400" dirty="0"/>
-              <a:t>合システム運用</a:t>
-            </a:r>
-            <a:r>
-              <a:rPr lang="ja-JP" altLang="en-US" sz="2400" dirty="0" smtClean="0"/>
-              <a:t>管理製品）</a:t>
-            </a:r>
-            <a:endParaRPr lang="en-US" dirty="0"/>
-          </a:p>
-        </p:txBody>
-      </p:sp>
-      <p:sp>
-        <p:nvSpPr>
-          <p:cNvPr id="3" name="内容占位符 2"/>
-          <p:cNvSpPr>
-            <a:spLocks noGrp="1"/>
-          </p:cNvSpPr>
-          <p:nvPr>
-            <p:ph idx="1"/>
-          </p:nvPr>
-        </p:nvSpPr>
-        <p:spPr/>
-        <p:txBody>
-          <a:bodyPr/>
-          <a:lstStyle/>
-          <a:p>
-            <a:r>
-              <a:rPr lang="en-US" altLang="ja-JP" dirty="0"/>
-              <a:t>JP1</a:t>
-            </a:r>
-            <a:r>
-              <a:rPr lang="ja-JP" altLang="en-US" dirty="0"/>
-              <a:t>製品の機能についてジョブ管理、統合監視をメインに説明を行い、使用できる機能の理解や業務活用方法を共有することを目的とする勉強会です。製品としては主に自動化のツールとして幅広く使用され、</a:t>
-            </a:r>
-            <a:r>
-              <a:rPr lang="en-US" altLang="ja-JP" dirty="0"/>
-              <a:t>RPA</a:t>
-            </a:r>
-            <a:r>
-              <a:rPr lang="ja-JP" altLang="en-US" dirty="0"/>
-              <a:t>との連動などもできます</a:t>
-            </a:r>
-            <a:r>
-              <a:rPr lang="ja-JP" altLang="en-US" dirty="0" smtClean="0"/>
-              <a:t>。</a:t>
-            </a:r>
-            <a:endParaRPr lang="en-US" altLang="ja-JP" dirty="0" smtClean="0"/>
-          </a:p>
-          <a:p>
-            <a:endParaRPr lang="en-US" dirty="0"/>
-          </a:p>
-          <a:p>
-            <a:r>
-              <a:rPr lang="zh-CN" altLang="en-US" dirty="0"/>
-              <a:t>第２、４水曜日　</a:t>
-            </a:r>
-            <a:r>
-              <a:rPr lang="en-US" altLang="zh-CN" dirty="0"/>
-              <a:t>19:00-20:30</a:t>
-            </a:r>
-            <a:r>
-              <a:rPr lang="zh-CN" altLang="en-US" dirty="0"/>
-              <a:t>（休憩</a:t>
-            </a:r>
-            <a:r>
-              <a:rPr lang="en-US" altLang="zh-CN" dirty="0"/>
-              <a:t>10</a:t>
-            </a:r>
-            <a:r>
-              <a:rPr lang="zh-CN" altLang="en-US" dirty="0"/>
-              <a:t>分）</a:t>
-            </a:r>
-          </a:p>
-          <a:p>
-            <a:r>
-              <a:rPr lang="zh-CN" altLang="en-US" dirty="0"/>
-              <a:t>初回：</a:t>
-            </a:r>
-            <a:r>
-              <a:rPr lang="en-US" altLang="zh-CN" dirty="0"/>
-              <a:t>2</a:t>
-            </a:r>
-            <a:r>
-              <a:rPr lang="zh-CN" altLang="en-US" dirty="0"/>
-              <a:t>月</a:t>
-            </a:r>
-            <a:r>
-              <a:rPr lang="en-US" altLang="zh-CN" dirty="0"/>
-              <a:t>24</a:t>
-            </a:r>
-            <a:r>
-              <a:rPr lang="zh-CN" altLang="en-US" dirty="0"/>
-              <a:t>日（水）</a:t>
-            </a:r>
-          </a:p>
-          <a:p>
-            <a:endParaRPr lang="en-US" dirty="0"/>
-          </a:p>
-        </p:txBody>
-      </p:sp>
-    </p:spTree>
-    <p:extLst>
-      <p:ext uri="{BB962C8B-B14F-4D97-AF65-F5344CB8AC3E}">
-        <p14:creationId xmlns:p14="http://schemas.microsoft.com/office/powerpoint/2010/main" val="2770064581"/>
-      </p:ext>
-    </p:extLst>
-  </p:cSld>
-  <p:clrMapOvr>
-    <a:masterClrMapping/>
-  </p:clrMapOvr>
-</p:sld>
-</file>
-
-<file path=ppt/slides/slide8.xml><?xml version="1.0" encoding="utf-8"?>
-<p:sld xmlns:a="http://schemas.openxmlformats.org/drawingml/2006/main" xmlns:r="http://schemas.openxmlformats.org/officeDocument/2006/relationships" xmlns:p="http://schemas.openxmlformats.org/presentationml/2006/main">
-  <p:cSld>
-    <p:spTree>
-      <p:nvGrpSpPr>
-        <p:cNvPr id="1" name=""/>
-        <p:cNvGrpSpPr/>
-        <p:nvPr/>
-      </p:nvGrpSpPr>
-      <p:grpSpPr>
-        <a:xfrm>
-          <a:off x="0" y="0"/>
-          <a:ext cx="0" cy="0"/>
-          <a:chOff x="0" y="0"/>
-          <a:chExt cx="0" cy="0"/>
-        </a:xfrm>
-      </p:grpSpPr>
-      <p:sp>
-        <p:nvSpPr>
-          <p:cNvPr id="2" name="标题 1"/>
-          <p:cNvSpPr>
-            <a:spLocks noGrp="1"/>
-          </p:cNvSpPr>
-          <p:nvPr>
-            <p:ph type="title"/>
-          </p:nvPr>
-        </p:nvSpPr>
-        <p:spPr/>
-        <p:txBody>
-          <a:bodyPr/>
-          <a:lstStyle/>
-          <a:p>
-            <a:r>
-              <a:rPr lang="ja-JP" altLang="en-US" dirty="0"/>
-              <a:t>勉強</a:t>
-            </a:r>
-            <a:r>
-              <a:rPr lang="ja-JP" altLang="en-US" dirty="0" smtClean="0"/>
-              <a:t>会目的</a:t>
-            </a:r>
-            <a:endParaRPr lang="en-US" dirty="0"/>
-          </a:p>
-        </p:txBody>
-      </p:sp>
-      <p:sp>
-        <p:nvSpPr>
-          <p:cNvPr id="3" name="内容占位符 2"/>
-          <p:cNvSpPr>
-            <a:spLocks noGrp="1"/>
-          </p:cNvSpPr>
-          <p:nvPr>
-            <p:ph idx="1"/>
-          </p:nvPr>
-        </p:nvSpPr>
-        <p:spPr/>
-        <p:txBody>
-          <a:bodyPr/>
-          <a:lstStyle/>
-          <a:p>
-            <a:r>
-              <a:rPr lang="ja-JP" altLang="en-US" dirty="0"/>
-              <a:t>部員</a:t>
-            </a:r>
-            <a:r>
-              <a:rPr lang="ja-JP" altLang="en-US" dirty="0" smtClean="0"/>
-              <a:t>のスキルアップ</a:t>
-            </a:r>
-            <a:endParaRPr lang="en-US" altLang="ja-JP" dirty="0" smtClean="0"/>
-          </a:p>
-          <a:p>
-            <a:r>
-              <a:rPr lang="ja-JP" altLang="en-US" dirty="0"/>
-              <a:t>部内のコミュニケーションを促進</a:t>
-            </a:r>
-            <a:r>
-              <a:rPr lang="ja-JP" altLang="en-US" dirty="0" smtClean="0"/>
-              <a:t>する</a:t>
-            </a:r>
-            <a:endParaRPr lang="en-US" altLang="ja-JP" dirty="0" smtClean="0"/>
-          </a:p>
-          <a:p>
-            <a:r>
-              <a:rPr lang="ja-JP" altLang="en-US" dirty="0" smtClean="0"/>
-              <a:t>ビジネスチャンスを広げる</a:t>
-            </a:r>
-            <a:endParaRPr lang="en-US" dirty="0"/>
-          </a:p>
-        </p:txBody>
-      </p:sp>
-    </p:spTree>
-    <p:extLst>
-      <p:ext uri="{BB962C8B-B14F-4D97-AF65-F5344CB8AC3E}">
-        <p14:creationId xmlns:p14="http://schemas.microsoft.com/office/powerpoint/2010/main" val="2995343411"/>
-      </p:ext>
-    </p:extLst>
-  </p:cSld>
-  <p:clrMapOvr>
-    <a:masterClrMapping/>
-  </p:clrMapOvr>
+  <p:timing>
+    <p:tnLst>
+      <p:par>
+        <p:cTn id="1" dur="indefinite" restart="never" nodeType="tmRoot"/>
+      </p:par>
+    </p:tnLst>
+  </p:timing>
 </p:sld>
 </file>
 
@@ -8661,7 +8785,19 @@
             </a:r>
             <a:r>
               <a:rPr lang="ja-JP" altLang="en-US" b="1" dirty="0" smtClean="0"/>
-              <a:t>部員（勉強会書籍の部費支給対象）</a:t>
+              <a:t>部員（</a:t>
+            </a:r>
+            <a:r>
+              <a:rPr lang="ja-JP" altLang="en-US" b="1" dirty="0" smtClean="0"/>
+              <a:t>勉強会書</a:t>
+            </a:r>
+            <a:r>
+              <a:rPr lang="ja-JP" altLang="en-US" b="1" dirty="0" smtClean="0"/>
+              <a:t>籍部費で支給対</a:t>
+            </a:r>
+            <a:r>
+              <a:rPr lang="ja-JP" altLang="en-US" b="1" dirty="0" smtClean="0"/>
+              <a:t>象）</a:t>
             </a:r>
             <a:endParaRPr lang="en-US" altLang="ja-JP" b="1" dirty="0" smtClean="0"/>
           </a:p>
